--- a/SPARK Parquet 简谈.pptx
+++ b/SPARK Parquet 简谈.pptx
@@ -32,22 +32,19 @@
     <p:sldId id="283" r:id="rId25"/>
     <p:sldId id="285" r:id="rId26"/>
     <p:sldId id="282" r:id="rId27"/>
-    <p:sldId id="270" r:id="rId28"/>
-    <p:sldId id="265" r:id="rId29"/>
-    <p:sldId id="262" r:id="rId30"/>
-    <p:sldId id="289" r:id="rId31"/>
-    <p:sldId id="301" r:id="rId32"/>
-    <p:sldId id="300" r:id="rId33"/>
-    <p:sldId id="299" r:id="rId34"/>
-    <p:sldId id="293" r:id="rId35"/>
-    <p:sldId id="294" r:id="rId36"/>
-    <p:sldId id="292" r:id="rId37"/>
-    <p:sldId id="290" r:id="rId38"/>
-    <p:sldId id="295" r:id="rId39"/>
-    <p:sldId id="297" r:id="rId40"/>
-    <p:sldId id="298" r:id="rId41"/>
-    <p:sldId id="296" r:id="rId42"/>
-    <p:sldId id="291" r:id="rId43"/>
+    <p:sldId id="289" r:id="rId28"/>
+    <p:sldId id="301" r:id="rId29"/>
+    <p:sldId id="300" r:id="rId30"/>
+    <p:sldId id="299" r:id="rId31"/>
+    <p:sldId id="293" r:id="rId32"/>
+    <p:sldId id="294" r:id="rId33"/>
+    <p:sldId id="292" r:id="rId34"/>
+    <p:sldId id="290" r:id="rId35"/>
+    <p:sldId id="295" r:id="rId36"/>
+    <p:sldId id="297" r:id="rId37"/>
+    <p:sldId id="298" r:id="rId38"/>
+    <p:sldId id="296" r:id="rId39"/>
+    <p:sldId id="291" r:id="rId40"/>
   </p:sldIdLst>
   <p:sldSz cx="9144000" cy="6858000" type="screen4x3"/>
   <p:notesSz cx="6858000" cy="9144000"/>
@@ -1056,14 +1053,7 @@
           <a:p>
             <a:r>
               <a:rPr lang="zh-CN" altLang="en-US"/>
-              <a:t>驱动进程位于集群中的一个节点上，它负责三件事：维护Spark应用程序的相关信息，必须与集群管理器交互</a:t>
-            </a:r>
-            <a:endParaRPr lang="zh-CN" altLang="en-US"/>
-          </a:p>
-          <a:p>
-            <a:r>
-              <a:rPr lang="zh-CN" altLang="en-US"/>
-              <a:t>才能获得物理资源并启动执行器；回应用户的程序或输入；分</a:t>
+              <a:t>驱动进程位于集群中的一个节点上，它负责三件事：维护Spark应用程序的相关信息，必须与集群管理器交互才能获得物理资源并启动执行器；回应用户的程序或输入；分</a:t>
             </a:r>
             <a:r>
               <a:rPr lang="zh-CN" altLang="en-US"/>
@@ -1332,7 +1322,7 @@
             </a:r>
             <a:r>
               <a:rPr lang="zh-CN" altLang="en-US"/>
-              <a:t>之前最好先过滤不必需要的数据，避免增加节点空间的负担</a:t>
+              <a:t>之前最好先过滤不必需要的数据，避免增加节点的负担</a:t>
             </a:r>
             <a:endParaRPr lang="zh-CN" altLang="en-US"/>
           </a:p>
@@ -6188,7 +6178,7 @@
             <a:pPr algn="l"/>
             <a:r>
               <a:rPr lang="zh-CN" altLang="en-US"/>
-              <a:t>通过在写入之前控制</a:t>
+              <a:t>通过在读写文件之前控制</a:t>
             </a:r>
             <a:r>
               <a:rPr lang="zh-CN" altLang="en-US" b="1"/>
@@ -6196,7 +6186,11 @@
             </a:r>
             <a:r>
               <a:rPr lang="zh-CN" altLang="en-US"/>
-              <a:t>来控制写入文件的</a:t>
+              <a:t>来控制读写</a:t>
+            </a:r>
+            <a:r>
+              <a:rPr lang="zh-CN" altLang="en-US"/>
+              <a:t>文件的</a:t>
             </a:r>
             <a:r>
               <a:rPr lang="zh-CN" altLang="en-US" b="1"/>
@@ -6234,8 +6228,8 @@
         </p:nvSpPr>
         <p:spPr>
           <a:xfrm>
-            <a:off x="1126490" y="3375660"/>
-            <a:ext cx="3549650" cy="829945"/>
+            <a:off x="1169035" y="3326765"/>
+            <a:ext cx="6324600" cy="1568450"/>
           </a:xfrm>
           <a:prstGeom prst="rect">
             <a:avLst/>
@@ -6243,23 +6237,55 @@
           <a:noFill/>
         </p:spPr>
         <p:txBody>
-          <a:bodyPr wrap="none" rtlCol="0">
+          <a:bodyPr wrap="square" rtlCol="0">
             <a:spAutoFit/>
           </a:bodyPr>
           <a:p>
             <a:pPr algn="l"/>
             <a:r>
-              <a:rPr lang="zh-CN" altLang="en-US" b="1"/>
-              <a:t>可分割的文件类型和压缩</a:t>
-            </a:r>
-            <a:endParaRPr lang="zh-CN" altLang="en-US" b="1"/>
-          </a:p>
-          <a:p>
-            <a:pPr algn="l"/>
-            <a:r>
-              <a:rPr lang="en-US" altLang="zh-CN" b="1"/>
-              <a:t>eg</a:t>
-            </a:r>
+              <a:rPr lang="en-US">
+                <a:solidFill>
+                  <a:srgbClr val="231F20"/>
+                </a:solidFill>
+                <a:latin typeface="TheSansMonoCondensed-Plain" charset="0"/>
+                <a:sym typeface="+mn-ea"/>
+              </a:rPr>
+              <a:t>bucketBy(...)</a:t>
+            </a:r>
+            <a:endParaRPr lang="en-US" altLang="zh-CN" b="1"/>
+          </a:p>
+          <a:p>
+            <a:pPr algn="l"/>
+            <a:endParaRPr lang="en-US">
+              <a:solidFill>
+                <a:srgbClr val="231F20"/>
+              </a:solidFill>
+              <a:latin typeface="TheSansMonoCondensed-Plain" charset="0"/>
+              <a:sym typeface="+mn-ea"/>
+            </a:endParaRPr>
+          </a:p>
+          <a:p>
+            <a:pPr algn="l"/>
+            <a:r>
+              <a:rPr lang="en-US">
+                <a:solidFill>
+                  <a:srgbClr val="231F20"/>
+                </a:solidFill>
+                <a:latin typeface="TheSansMonoCondensed-Plain" charset="0"/>
+                <a:sym typeface="+mn-ea"/>
+              </a:rPr>
+              <a:t>partitionBy(...)</a:t>
+            </a:r>
+            <a:endParaRPr lang="en-US">
+              <a:solidFill>
+                <a:srgbClr val="231F20"/>
+              </a:solidFill>
+              <a:latin typeface="TheSansMonoCondensed-Plain" charset="0"/>
+              <a:sym typeface="+mn-ea"/>
+            </a:endParaRPr>
+          </a:p>
+          <a:p>
+            <a:pPr algn="l"/>
             <a:endParaRPr lang="en-US" altLang="zh-CN" b="1"/>
           </a:p>
         </p:txBody>
@@ -6484,7 +6510,7 @@
             </a:r>
             <a:r>
               <a:rPr lang="zh-CN" altLang="en-US" sz="2000"/>
-              <a:t>.write.format("csv").save("/tmp/multiple.csv")</a:t>
+              <a:t>.write.format("csv").save("/tmp")</a:t>
             </a:r>
             <a:endParaRPr lang="zh-CN" altLang="en-US" sz="2000"/>
           </a:p>
@@ -6680,7 +6706,7 @@
         <p:spPr>
           <a:xfrm>
             <a:off x="1193165" y="3075305"/>
-            <a:ext cx="153035" cy="1198880"/>
+            <a:ext cx="4751070" cy="1198880"/>
           </a:xfrm>
           <a:prstGeom prst="rect">
             <a:avLst/>
@@ -6694,8 +6720,27 @@
           <a:p>
             <a:r>
               <a:rPr lang="en-US" altLang="zh-CN"/>
-              <a:t>eg</a:t>
-            </a:r>
+              <a:t>eg  </a:t>
+            </a:r>
+            <a:r>
+              <a:rPr lang="en-US">
+                <a:solidFill>
+                  <a:srgbClr val="231F20"/>
+                </a:solidFill>
+                <a:latin typeface="TheSansMonoCondensed-Plain" charset="0"/>
+                <a:sym typeface="+mn-ea"/>
+              </a:rPr>
+              <a:t>partitionBy(...)</a:t>
+            </a:r>
+            <a:endParaRPr lang="en-US">
+              <a:solidFill>
+                <a:srgbClr val="231F20"/>
+              </a:solidFill>
+              <a:latin typeface="TheSansMonoCondensed-Plain" charset="0"/>
+              <a:sym typeface="+mn-ea"/>
+            </a:endParaRPr>
+          </a:p>
+          <a:p>
             <a:endParaRPr lang="en-US" altLang="zh-CN"/>
           </a:p>
           <a:p>
@@ -6858,7 +6903,7 @@
         </p:nvSpPr>
         <p:spPr>
           <a:xfrm>
-            <a:off x="1054100" y="368300"/>
+            <a:off x="1004570" y="253365"/>
             <a:ext cx="4175760" cy="583565"/>
           </a:xfrm>
           <a:prstGeom prst="rect">
@@ -6892,7 +6937,7 @@
         </p:nvSpPr>
         <p:spPr>
           <a:xfrm>
-            <a:off x="869950" y="1119505"/>
+            <a:off x="869950" y="836930"/>
             <a:ext cx="8384540" cy="2676525"/>
           </a:xfrm>
           <a:prstGeom prst="rect">
@@ -6946,8 +6991,8 @@
         </p:nvSpPr>
         <p:spPr>
           <a:xfrm>
-            <a:off x="1119505" y="3918585"/>
-            <a:ext cx="6129655" cy="3230245"/>
+            <a:off x="1004570" y="3513455"/>
+            <a:ext cx="6056630" cy="3230245"/>
           </a:xfrm>
           <a:prstGeom prst="rect">
             <a:avLst/>
@@ -6970,7 +7015,15 @@
             <a:pPr algn="l"/>
             <a:r>
               <a:rPr lang="zh-CN" altLang="en-US" sz="2000"/>
-              <a:t>val columnToBucketBy = “count" </a:t>
+              <a:t>val columnToBucketBy = </a:t>
+            </a:r>
+            <a:r>
+              <a:rPr lang="en-US" altLang="zh-CN" sz="2000"/>
+              <a:t>“</a:t>
+            </a:r>
+            <a:r>
+              <a:rPr lang="zh-CN" altLang="en-US" sz="2000"/>
+              <a:t>count" </a:t>
             </a:r>
             <a:endParaRPr lang="zh-CN" altLang="en-US" sz="2000"/>
           </a:p>
@@ -6978,7 +7031,23 @@
             <a:pPr algn="l"/>
             <a:r>
               <a:rPr lang="zh-CN" altLang="en-US" sz="2000"/>
-              <a:t>csvFile.write.format(“parquet").mode(“overwrite") </a:t>
+              <a:t>csvFile.write.format(</a:t>
+            </a:r>
+            <a:r>
+              <a:rPr lang="en-US" altLang="zh-CN" sz="2000"/>
+              <a:t>”</a:t>
+            </a:r>
+            <a:r>
+              <a:rPr lang="zh-CN" altLang="en-US" sz="2000"/>
+              <a:t>parquet").mode(</a:t>
+            </a:r>
+            <a:r>
+              <a:rPr lang="en-US" altLang="zh-CN" sz="2000"/>
+              <a:t>“</a:t>
+            </a:r>
+            <a:r>
+              <a:rPr lang="zh-CN" altLang="en-US" sz="2000"/>
+              <a:t>overwrite") </a:t>
             </a:r>
             <a:r>
               <a:rPr lang="en-US" altLang="zh-CN" sz="2000"/>
@@ -6990,7 +7059,11 @@
             <a:pPr algn="l"/>
             <a:r>
               <a:rPr lang="zh-CN" altLang="en-US" sz="2000"/>
-              <a:t>.bucketBy(numberBuckets, columnToBucketBy)</a:t>
+              <a:t>.</a:t>
+            </a:r>
+            <a:r>
+              <a:rPr lang="zh-CN" altLang="en-US" sz="2000" b="1"/>
+              <a:t>bucketBy(numberBuckets, columnToBucketBy)</a:t>
             </a:r>
             <a:r>
               <a:rPr lang="en-US" altLang="zh-CN" sz="2000"/>
@@ -7006,7 +7079,15 @@
             </a:r>
             <a:r>
               <a:rPr lang="zh-CN" altLang="en-US" sz="2000"/>
-              <a:t>saveAsTable(“bucketedFiles") </a:t>
+              <a:t>saveAsTable(</a:t>
+            </a:r>
+            <a:r>
+              <a:rPr lang="en-US" altLang="zh-CN" sz="2000"/>
+              <a:t>”</a:t>
+            </a:r>
+            <a:r>
+              <a:rPr lang="zh-CN" altLang="en-US" sz="2000"/>
+              <a:t>bucketedFiles") </a:t>
             </a:r>
             <a:endParaRPr lang="zh-CN" altLang="en-US" sz="2000"/>
           </a:p>
@@ -7014,7 +7095,15 @@
             <a:pPr algn="l"/>
             <a:r>
               <a:rPr lang="zh-CN" altLang="en-US" sz="2000"/>
-              <a:t>$ ls /user/hive/warehouse/bucketedfifiles/ </a:t>
+              <a:t>$ ls /</a:t>
+            </a:r>
+            <a:r>
+              <a:rPr lang="en-US" altLang="zh-CN" sz="2000"/>
+              <a:t>tmp</a:t>
+            </a:r>
+            <a:r>
+              <a:rPr lang="zh-CN" altLang="en-US" sz="2000"/>
+              <a:t>/bucketedfifiles/ </a:t>
             </a:r>
             <a:endParaRPr lang="zh-CN" altLang="en-US" sz="2000"/>
           </a:p>
@@ -7260,7 +7349,7 @@
         </p:nvSpPr>
         <p:spPr>
           <a:xfrm>
-            <a:off x="1245870" y="615315"/>
+            <a:off x="1130935" y="533400"/>
             <a:ext cx="7762875" cy="4154170"/>
           </a:xfrm>
           <a:prstGeom prst="rect">
@@ -7413,7 +7502,7 @@
         <p:spPr>
           <a:xfrm>
             <a:off x="1010285" y="1325880"/>
-            <a:ext cx="7830820" cy="3415030"/>
+            <a:ext cx="7830820" cy="3046095"/>
           </a:xfrm>
           <a:prstGeom prst="rect">
             <a:avLst/>
@@ -7440,7 +7529,7 @@
             </a:r>
             <a:r>
               <a:rPr lang="zh-CN" altLang="en-US"/>
-              <a:t>应该触发一个Spark作业，调用动作总是会返回结果，每个作业被分解成一系列阶段，其数量取决于需要进行多少次shuffle操作。</a:t>
+              <a:t>应该触发一个Spark作业，调用动作总是会返回结果，每个作业被分解成一系列阶段。</a:t>
             </a:r>
             <a:endParaRPr lang="zh-CN" altLang="en-US"/>
           </a:p>
@@ -7488,7 +7577,7 @@
             </a:r>
             <a:r>
               <a:rPr lang="zh-CN" altLang="en-US"/>
-              <a:t>（task）组成，每个任务都对应于一组数据和一组将在单个执行器上运行的转换操作。</a:t>
+              <a:t>（task）组成，每个任务都对应于一组数据和一组将在单个执行器上运行的操作。</a:t>
             </a:r>
             <a:endParaRPr lang="zh-CN" altLang="en-US"/>
           </a:p>
@@ -7646,14 +7735,169 @@
             <p:ph type="title"/>
           </p:nvPr>
         </p:nvSpPr>
-        <p:spPr/>
+        <p:spPr>
+          <a:xfrm>
+            <a:off x="838200" y="116523"/>
+            <a:ext cx="8001000" cy="1143000"/>
+          </a:xfrm>
+        </p:spPr>
         <p:txBody>
           <a:bodyPr/>
           <a:p>
+            <a:r>
+              <a:rPr lang="en-US" altLang="zh-CN"/>
+              <a:t>Parquet</a:t>
+            </a:r>
+            <a:r>
+              <a:rPr lang="zh-CN" altLang="en-US"/>
+              <a:t>介绍</a:t>
+            </a:r>
             <a:endParaRPr lang="zh-CN" altLang="en-US"/>
           </a:p>
         </p:txBody>
       </p:sp>
+      <p:sp>
+        <p:nvSpPr>
+          <p:cNvPr id="4" name="文本框 3"/>
+          <p:cNvSpPr txBox="1"/>
+          <p:nvPr/>
+        </p:nvSpPr>
+        <p:spPr>
+          <a:xfrm>
+            <a:off x="970280" y="870585"/>
+            <a:ext cx="7868920" cy="3784600"/>
+          </a:xfrm>
+          <a:prstGeom prst="rect">
+            <a:avLst/>
+          </a:prstGeom>
+          <a:noFill/>
+        </p:spPr>
+        <p:txBody>
+          <a:bodyPr wrap="square" rtlCol="0">
+            <a:spAutoFit/>
+          </a:bodyPr>
+          <a:p>
+            <a:pPr algn="l"/>
+            <a:r>
+              <a:rPr lang="zh-CN" altLang="en-US">
+                <a:sym typeface="+mn-ea"/>
+              </a:rPr>
+              <a:t>apache parquet是一种</a:t>
+            </a:r>
+            <a:r>
+              <a:rPr lang="zh-CN" altLang="en-US" b="1">
+                <a:sym typeface="+mn-ea"/>
+              </a:rPr>
+              <a:t>列式数据存储格式</a:t>
+            </a:r>
+            <a:r>
+              <a:rPr lang="zh-CN" altLang="en-US">
+                <a:sym typeface="+mn-ea"/>
+              </a:rPr>
+              <a:t>，它提供了一种按列存储表格数据的方法。Parquet也是Spark SQL 的默认数据源，可通过参数spark.sql.sources.default 进行配置。</a:t>
+            </a:r>
+            <a:endParaRPr lang="zh-CN" altLang="en-US">
+              <a:sym typeface="+mn-ea"/>
+            </a:endParaRPr>
+          </a:p>
+          <a:p>
+            <a:pPr algn="l"/>
+            <a:r>
+              <a:rPr lang="zh-CN" altLang="en-US" sz="1800"/>
+              <a:t>优点：</a:t>
+            </a:r>
+            <a:endParaRPr lang="zh-CN" altLang="en-US" sz="1800"/>
+          </a:p>
+          <a:p>
+            <a:pPr algn="l"/>
+            <a:r>
+              <a:rPr lang="zh-CN" altLang="en-US" sz="1800"/>
+              <a:t>1.由于同一列的数据类型是一样的，可以使用更高效的压缩编码，提供列压缩从而可以节省空间。</a:t>
+            </a:r>
+            <a:endParaRPr lang="zh-CN" altLang="en-US" sz="1800"/>
+          </a:p>
+          <a:p>
+            <a:pPr algn="l"/>
+            <a:r>
+              <a:rPr lang="zh-CN" altLang="en-US" sz="1800"/>
+              <a:t>2.支持按列读取而非整个文件地读取，加速查询，取得列越少，速度越快，节省磁盘IO</a:t>
+            </a:r>
+            <a:endParaRPr lang="zh-CN" altLang="en-US" sz="1800"/>
+          </a:p>
+          <a:p>
+            <a:pPr algn="l"/>
+            <a:r>
+              <a:rPr lang="zh-CN" altLang="en-US" sz="1800"/>
+              <a:t>3.支持复杂类型，List、map映射</a:t>
+            </a:r>
+            <a:endParaRPr lang="zh-CN" altLang="en-US" sz="1800"/>
+          </a:p>
+          <a:p>
+            <a:pPr algn="l"/>
+            <a:r>
+              <a:rPr lang="zh-CN" altLang="en-US" sz="1800"/>
+              <a:t>4.Spark 默认支持格式，hive兼容，drill可读取元数据信息</a:t>
+            </a:r>
+            <a:endParaRPr lang="zh-CN" altLang="en-US" sz="1800"/>
+          </a:p>
+          <a:p>
+            <a:pPr algn="l"/>
+            <a:r>
+              <a:rPr lang="zh-CN" altLang="en-US" sz="1800"/>
+              <a:t>5.分区过滤，spark的partitionBy 可以实现分区，文件夹形式，节省磁盘IO</a:t>
+            </a:r>
+            <a:endParaRPr lang="zh-CN" altLang="en-US" sz="1800"/>
+          </a:p>
+        </p:txBody>
+      </p:sp>
+      <p:pic>
+        <p:nvPicPr>
+          <p:cNvPr id="5" name="图片 4"/>
+          <p:cNvPicPr>
+            <a:picLocks noChangeAspect="1"/>
+          </p:cNvPicPr>
+          <p:nvPr/>
+        </p:nvPicPr>
+        <p:blipFill>
+          <a:blip r:embed="rId1"/>
+          <a:stretch>
+            <a:fillRect/>
+          </a:stretch>
+        </p:blipFill>
+        <p:spPr>
+          <a:xfrm>
+            <a:off x="970280" y="4655185"/>
+            <a:ext cx="2619375" cy="1343025"/>
+          </a:xfrm>
+          <a:prstGeom prst="rect">
+            <a:avLst/>
+          </a:prstGeom>
+        </p:spPr>
+      </p:pic>
+      <p:pic>
+        <p:nvPicPr>
+          <p:cNvPr id="6" name="图片 5"/>
+          <p:cNvPicPr>
+            <a:picLocks noChangeAspect="1"/>
+          </p:cNvPicPr>
+          <p:nvPr/>
+        </p:nvPicPr>
+        <p:blipFill>
+          <a:blip r:embed="rId2"/>
+          <a:stretch>
+            <a:fillRect/>
+          </a:stretch>
+        </p:blipFill>
+        <p:spPr>
+          <a:xfrm>
+            <a:off x="970280" y="5998210"/>
+            <a:ext cx="4924425" cy="638175"/>
+          </a:xfrm>
+          <a:prstGeom prst="rect">
+            <a:avLst/>
+          </a:prstGeom>
+        </p:spPr>
+      </p:pic>
     </p:spTree>
   </p:cSld>
   <p:clrMapOvr>
@@ -7677,14 +7921,121 @@
       <p:grpSpPr/>
       <p:sp>
         <p:nvSpPr>
-          <p:cNvPr id="3" name="文本框 2"/>
+          <p:cNvPr id="129" name="文本框 128"/>
           <p:cNvSpPr txBox="1"/>
           <p:nvPr/>
         </p:nvSpPr>
         <p:spPr>
           <a:xfrm>
-            <a:off x="963295" y="789305"/>
-            <a:ext cx="6939280" cy="3046095"/>
+            <a:off x="1227455" y="1037590"/>
+            <a:ext cx="6689725" cy="2122805"/>
+          </a:xfrm>
+          <a:prstGeom prst="rect">
+            <a:avLst/>
+          </a:prstGeom>
+          <a:noFill/>
+          <a:ln w="9525">
+            <a:noFill/>
+          </a:ln>
+        </p:spPr>
+        <p:txBody>
+          <a:bodyPr wrap="square">
+            <a:spAutoFit/>
+          </a:bodyPr>
+          <a:p>
+            <a:r>
+              <a:rPr lang="zh-CN" b="1">
+                <a:solidFill>
+                  <a:srgbClr val="353535"/>
+                </a:solidFill>
+                <a:cs typeface="Verdana" panose="020B0604030504040204" charset="0"/>
+              </a:rPr>
+              <a:t>Parquet 适配多种计算框架</a:t>
+            </a:r>
+            <a:r>
+              <a:rPr lang="zh-CN">
+                <a:solidFill>
+                  <a:srgbClr val="4A4A4A"/>
+                </a:solidFill>
+                <a:ea typeface="宋体" panose="02010600030101010101" pitchFamily="2" charset="-122"/>
+              </a:rPr>
+              <a:t>+</a:t>
+            </a:r>
+            <a:r>
+              <a:rPr lang="zh-CN" sz="1800">
+                <a:solidFill>
+                  <a:srgbClr val="4A4A4A"/>
+                </a:solidFill>
+                <a:ea typeface="宋体" panose="02010600030101010101" pitchFamily="2" charset="-122"/>
+              </a:rPr>
+              <a:t>Parquet 是语言无关的，而且不与任何一种数据处理框架绑定在一起，适配多种语言和组件，能够与 Parquet 配合的组件有：+查询引擎</a:t>
+            </a:r>
+            <a:r>
+              <a:rPr lang="en-US" sz="1800">
+                <a:solidFill>
+                  <a:srgbClr val="4A4A4A"/>
+                </a:solidFill>
+                <a:latin typeface="Tahoma" panose="020B0604030504040204" charset="0"/>
+                <a:ea typeface="宋体" panose="02010600030101010101" pitchFamily="2" charset="-122"/>
+              </a:rPr>
+              <a:t>: Hive, Impala, Pig, Presto, Drill, Tajo, HAWQ, IBM Big SQL</a:t>
+            </a:r>
+            <a:r>
+              <a:rPr lang="zh-CN" sz="1800">
+                <a:solidFill>
+                  <a:srgbClr val="4A4A4A"/>
+                </a:solidFill>
+                <a:ea typeface="宋体" panose="02010600030101010101" pitchFamily="2" charset="-122"/>
+              </a:rPr>
+              <a:t>+计算框架</a:t>
+            </a:r>
+            <a:r>
+              <a:rPr lang="en-US" sz="1800">
+                <a:solidFill>
+                  <a:srgbClr val="4A4A4A"/>
+                </a:solidFill>
+                <a:latin typeface="Tahoma" panose="020B0604030504040204" charset="0"/>
+                <a:ea typeface="宋体" panose="02010600030101010101" pitchFamily="2" charset="-122"/>
+              </a:rPr>
+              <a:t>: MapReduce, Spark, Cascading, Crunch, Scalding, Kite</a:t>
+            </a:r>
+            <a:r>
+              <a:rPr lang="zh-CN" sz="1800">
+                <a:solidFill>
+                  <a:srgbClr val="4A4A4A"/>
+                </a:solidFill>
+                <a:ea typeface="宋体" panose="02010600030101010101" pitchFamily="2" charset="-122"/>
+              </a:rPr>
+              <a:t>+数据模型</a:t>
+            </a:r>
+            <a:r>
+              <a:rPr lang="en-US" sz="1800">
+                <a:solidFill>
+                  <a:srgbClr val="4A4A4A"/>
+                </a:solidFill>
+                <a:latin typeface="Tahoma" panose="020B0604030504040204" charset="0"/>
+                <a:ea typeface="宋体" panose="02010600030101010101" pitchFamily="2" charset="-122"/>
+              </a:rPr>
+              <a:t>: Avro, Thrift, Protocol Buffers, POJOs</a:t>
+            </a:r>
+            <a:endParaRPr lang="zh-CN" altLang="en-US" sz="1800"/>
+          </a:p>
+        </p:txBody>
+      </p:sp>
+      <p:sp>
+        <p:nvSpPr>
+          <p:cNvPr id="6" name="文本框 5"/>
+          <p:cNvSpPr txBox="1"/>
+          <p:nvPr/>
+        </p:nvSpPr>
+        <p:spPr>
+          <a:xfrm>
+            <a:off x="1227455" y="4543425"/>
+            <a:ext cx="5670550" cy="460375"/>
           </a:xfrm>
           <a:prstGeom prst="rect">
             <a:avLst/>
@@ -7696,39 +8047,18 @@
             <a:spAutoFit/>
           </a:bodyPr>
           <a:p>
-            <a:pPr algn="l"/>
-            <a:endParaRPr lang="zh-CN" altLang="en-US"/>
-          </a:p>
-          <a:p>
-            <a:pPr algn="l"/>
-            <a:endParaRPr lang="zh-CN" altLang="en-US"/>
-          </a:p>
-          <a:p>
-            <a:pPr algn="l"/>
+            <a:r>
+              <a:rPr lang="zh-CN" altLang="en-US"/>
+              <a:t>读写都是</a:t>
+            </a:r>
             <a:r>
               <a:rPr lang="en-US" altLang="zh-CN"/>
-              <a:t>fwcdr</a:t>
-            </a:r>
-            <a:endParaRPr lang="en-US" altLang="zh-CN"/>
-          </a:p>
-          <a:p>
-            <a:pPr algn="l"/>
-            <a:endParaRPr lang="en-US" altLang="zh-CN"/>
-          </a:p>
-          <a:p>
-            <a:pPr algn="l"/>
-            <a:endParaRPr lang="zh-CN" altLang="en-US"/>
-          </a:p>
-          <a:p>
-            <a:pPr algn="l"/>
-            <a:endParaRPr lang="zh-CN" altLang="en-US"/>
-          </a:p>
-          <a:p>
-            <a:pPr algn="l"/>
-            <a:endParaRPr lang="zh-CN" altLang="en-US"/>
-          </a:p>
-          <a:p>
-            <a:pPr algn="l"/>
+              <a:t>spark</a:t>
+            </a:r>
+            <a:r>
+              <a:rPr lang="zh-CN" altLang="en-US"/>
+              <a:t>的默认格式，不需要指定</a:t>
+            </a:r>
             <a:endParaRPr lang="zh-CN" altLang="en-US"/>
           </a:p>
         </p:txBody>
@@ -7756,637 +8086,6 @@
       <p:grpSpPr/>
       <p:sp>
         <p:nvSpPr>
-          <p:cNvPr id="4" name="文本框 3"/>
-          <p:cNvSpPr txBox="1"/>
-          <p:nvPr/>
-        </p:nvSpPr>
-        <p:spPr>
-          <a:xfrm>
-            <a:off x="1306830" y="388620"/>
-            <a:ext cx="4726305" cy="1198880"/>
-          </a:xfrm>
-          <a:prstGeom prst="rect">
-            <a:avLst/>
-          </a:prstGeom>
-          <a:noFill/>
-        </p:spPr>
-        <p:txBody>
-          <a:bodyPr wrap="square" rtlCol="0">
-            <a:spAutoFit/>
-          </a:bodyPr>
-          <a:p>
-            <a:r>
-              <a:rPr lang="zh-CN" altLang="en-US"/>
-              <a:t>一个案例</a:t>
-            </a:r>
-            <a:endParaRPr lang="zh-CN" altLang="en-US"/>
-          </a:p>
-          <a:p>
-            <a:r>
-              <a:rPr lang="en-US" altLang="zh-CN"/>
-              <a:t>fwcdr</a:t>
-            </a:r>
-            <a:endParaRPr lang="en-US" altLang="zh-CN"/>
-          </a:p>
-          <a:p>
-            <a:r>
-              <a:rPr lang="en-US" altLang="zh-CN"/>
-              <a:t>web ui</a:t>
-            </a:r>
-            <a:endParaRPr lang="en-US" altLang="zh-CN"/>
-          </a:p>
-        </p:txBody>
-      </p:sp>
-    </p:spTree>
-  </p:cSld>
-  <p:clrMapOvr>
-    <a:masterClrMapping/>
-  </p:clrMapOvr>
-  <p:transition/>
-</p:sld>
-</file>
-
-<file path=ppt/slides/slide28.xml><?xml version="1.0" encoding="utf-8"?>
-<p:sld xmlns:a="http://schemas.openxmlformats.org/drawingml/2006/main" xmlns:r="http://schemas.openxmlformats.org/officeDocument/2006/relationships" xmlns:p="http://schemas.openxmlformats.org/presentationml/2006/main">
-  <p:cSld>
-    <p:spTree>
-      <p:nvGrpSpPr>
-        <p:cNvPr id="1" name=""/>
-        <p:cNvGrpSpPr/>
-        <p:nvPr/>
-      </p:nvGrpSpPr>
-      <p:grpSpPr/>
-      <p:sp>
-        <p:nvSpPr>
-          <p:cNvPr id="2" name="标题 1"/>
-          <p:cNvSpPr>
-            <a:spLocks noGrp="1"/>
-          </p:cNvSpPr>
-          <p:nvPr>
-            <p:ph type="title"/>
-          </p:nvPr>
-        </p:nvSpPr>
-        <p:spPr/>
-        <p:txBody>
-          <a:bodyPr/>
-          <a:p>
-            <a:r>
-              <a:rPr lang="en-US" altLang="zh-CN"/>
-              <a:t>Parquet</a:t>
-            </a:r>
-            <a:r>
-              <a:rPr lang="zh-CN" altLang="en-US"/>
-              <a:t>介绍</a:t>
-            </a:r>
-            <a:endParaRPr lang="zh-CN" altLang="en-US"/>
-          </a:p>
-        </p:txBody>
-      </p:sp>
-      <p:sp>
-        <p:nvSpPr>
-          <p:cNvPr id="4" name="文本框 3"/>
-          <p:cNvSpPr txBox="1"/>
-          <p:nvPr/>
-        </p:nvSpPr>
-        <p:spPr>
-          <a:xfrm>
-            <a:off x="970280" y="1002030"/>
-            <a:ext cx="7868920" cy="3815080"/>
-          </a:xfrm>
-          <a:prstGeom prst="rect">
-            <a:avLst/>
-          </a:prstGeom>
-          <a:noFill/>
-        </p:spPr>
-        <p:txBody>
-          <a:bodyPr wrap="square" rtlCol="0">
-            <a:spAutoFit/>
-          </a:bodyPr>
-          <a:p>
-            <a:pPr algn="l"/>
-            <a:r>
-              <a:rPr lang="zh-CN" altLang="en-US">
-                <a:sym typeface="+mn-ea"/>
-              </a:rPr>
-              <a:t>apache parquet是一种</a:t>
-            </a:r>
-            <a:r>
-              <a:rPr lang="zh-CN" altLang="en-US" b="1">
-                <a:sym typeface="+mn-ea"/>
-              </a:rPr>
-              <a:t>列式数据存储格式</a:t>
-            </a:r>
-            <a:r>
-              <a:rPr lang="zh-CN" altLang="en-US">
-                <a:sym typeface="+mn-ea"/>
-              </a:rPr>
-              <a:t>，它提供了一种按列存储表格数据的方法。Parquet也是Spark SQL 的默认数据源，可通过参数spark.sql.sources.default 进行配置。</a:t>
-            </a:r>
-            <a:endParaRPr lang="zh-CN" altLang="en-US">
-              <a:sym typeface="+mn-ea"/>
-            </a:endParaRPr>
-          </a:p>
-          <a:p>
-            <a:pPr algn="l"/>
-            <a:r>
-              <a:rPr lang="zh-CN" altLang="en-US" sz="2000"/>
-              <a:t>优点：</a:t>
-            </a:r>
-            <a:endParaRPr lang="zh-CN" altLang="en-US" sz="2000"/>
-          </a:p>
-          <a:p>
-            <a:pPr algn="l"/>
-            <a:r>
-              <a:rPr lang="en-US" altLang="zh-CN" sz="1800"/>
-              <a:t>1.</a:t>
-            </a:r>
-            <a:r>
-              <a:rPr lang="zh-CN" altLang="en-US" sz="1800"/>
-              <a:t>由于同一列的数据类型是一样的，可以使用更高效的压缩编码，提供列压缩从而可以节省空间。</a:t>
-            </a:r>
-            <a:endParaRPr lang="zh-CN" altLang="en-US" sz="1800"/>
-          </a:p>
-          <a:p>
-            <a:pPr algn="l"/>
-            <a:r>
-              <a:rPr lang="en-US" altLang="zh-CN" sz="1800"/>
-              <a:t>2.</a:t>
-            </a:r>
-            <a:r>
-              <a:rPr lang="zh-CN" altLang="en-US" sz="1800"/>
-              <a:t>支持按列读取而非整个文件地读取，加速查询，取得列越少，速度越快，节省磁盘</a:t>
-            </a:r>
-            <a:r>
-              <a:rPr lang="en-US" altLang="zh-CN" sz="1800"/>
-              <a:t>IO</a:t>
-            </a:r>
-            <a:endParaRPr lang="zh-CN" altLang="en-US" sz="1800"/>
-          </a:p>
-          <a:p>
-            <a:pPr algn="l"/>
-            <a:r>
-              <a:rPr lang="en-US" altLang="zh-CN" sz="1800"/>
-              <a:t>3.</a:t>
-            </a:r>
-            <a:r>
-              <a:rPr lang="zh-CN" altLang="en-US" sz="1800"/>
-              <a:t>支持复杂类型，</a:t>
-            </a:r>
-            <a:r>
-              <a:rPr lang="en-US" altLang="zh-CN" sz="1800"/>
-              <a:t>List</a:t>
-            </a:r>
-            <a:r>
-              <a:rPr lang="zh-CN" altLang="en-US" sz="1800"/>
-              <a:t>、map映射</a:t>
-            </a:r>
-            <a:endParaRPr lang="zh-CN" altLang="en-US" sz="1800"/>
-          </a:p>
-          <a:p>
-            <a:pPr algn="l"/>
-            <a:r>
-              <a:rPr lang="en-US" altLang="zh-CN" sz="1800"/>
-              <a:t>4.Spark </a:t>
-            </a:r>
-            <a:r>
-              <a:rPr lang="zh-CN" altLang="en-US" sz="1800"/>
-              <a:t>默认支持格式，</a:t>
-            </a:r>
-            <a:r>
-              <a:rPr lang="en-US" altLang="zh-CN" sz="1800"/>
-              <a:t>hive</a:t>
-            </a:r>
-            <a:r>
-              <a:rPr lang="zh-CN" altLang="en-US" sz="1800"/>
-              <a:t>兼容，</a:t>
-            </a:r>
-            <a:r>
-              <a:rPr lang="en-US" altLang="zh-CN" sz="1800"/>
-              <a:t>drill</a:t>
-            </a:r>
-            <a:r>
-              <a:rPr lang="zh-CN" altLang="en-US" sz="1800"/>
-              <a:t>可读取元数据信息</a:t>
-            </a:r>
-            <a:endParaRPr lang="zh-CN" altLang="en-US" sz="1800"/>
-          </a:p>
-          <a:p>
-            <a:pPr algn="l"/>
-            <a:r>
-              <a:rPr lang="en-US" altLang="zh-CN" sz="1800"/>
-              <a:t>5.</a:t>
-            </a:r>
-            <a:r>
-              <a:rPr lang="zh-CN" altLang="en-US" sz="1800"/>
-              <a:t>分区过滤，spark的partitionBy 可以实现分区，文件夹形式，节省磁盘</a:t>
-            </a:r>
-            <a:r>
-              <a:rPr lang="en-US" altLang="zh-CN" sz="1800"/>
-              <a:t>IO</a:t>
-            </a:r>
-            <a:endParaRPr lang="en-US" altLang="zh-CN" sz="1800"/>
-          </a:p>
-        </p:txBody>
-      </p:sp>
-      <p:pic>
-        <p:nvPicPr>
-          <p:cNvPr id="5" name="图片 4"/>
-          <p:cNvPicPr>
-            <a:picLocks noChangeAspect="1"/>
-          </p:cNvPicPr>
-          <p:nvPr/>
-        </p:nvPicPr>
-        <p:blipFill>
-          <a:blip r:embed="rId1"/>
-          <a:stretch>
-            <a:fillRect/>
-          </a:stretch>
-        </p:blipFill>
-        <p:spPr>
-          <a:xfrm>
-            <a:off x="6092825" y="4756150"/>
-            <a:ext cx="2619375" cy="1343025"/>
-          </a:xfrm>
-          <a:prstGeom prst="rect">
-            <a:avLst/>
-          </a:prstGeom>
-        </p:spPr>
-      </p:pic>
-      <p:pic>
-        <p:nvPicPr>
-          <p:cNvPr id="6" name="图片 5"/>
-          <p:cNvPicPr>
-            <a:picLocks noChangeAspect="1"/>
-          </p:cNvPicPr>
-          <p:nvPr/>
-        </p:nvPicPr>
-        <p:blipFill>
-          <a:blip r:embed="rId2"/>
-          <a:stretch>
-            <a:fillRect/>
-          </a:stretch>
-        </p:blipFill>
-        <p:spPr>
-          <a:xfrm>
-            <a:off x="1168400" y="6099175"/>
-            <a:ext cx="4924425" cy="638175"/>
-          </a:xfrm>
-          <a:prstGeom prst="rect">
-            <a:avLst/>
-          </a:prstGeom>
-        </p:spPr>
-      </p:pic>
-      <p:sp>
-        <p:nvSpPr>
-          <p:cNvPr id="7" name="文本框 6"/>
-          <p:cNvSpPr txBox="1"/>
-          <p:nvPr/>
-        </p:nvSpPr>
-        <p:spPr>
-          <a:xfrm>
-            <a:off x="1168400" y="5375275"/>
-            <a:ext cx="2249805" cy="460375"/>
-          </a:xfrm>
-          <a:prstGeom prst="rect">
-            <a:avLst/>
-          </a:prstGeom>
-          <a:noFill/>
-        </p:spPr>
-        <p:txBody>
-          <a:bodyPr wrap="none" rtlCol="0">
-            <a:spAutoFit/>
-          </a:bodyPr>
-          <a:p>
-            <a:r>
-              <a:rPr lang="zh-CN" altLang="en-US"/>
-              <a:t>读写</a:t>
-            </a:r>
-            <a:r>
-              <a:rPr lang="en-US" altLang="zh-CN"/>
-              <a:t>parquet eg</a:t>
-            </a:r>
-            <a:endParaRPr lang="en-US" altLang="zh-CN"/>
-          </a:p>
-        </p:txBody>
-      </p:sp>
-      <p:sp>
-        <p:nvSpPr>
-          <p:cNvPr id="8" name="文本框 7"/>
-          <p:cNvSpPr txBox="1"/>
-          <p:nvPr/>
-        </p:nvSpPr>
-        <p:spPr>
-          <a:xfrm>
-            <a:off x="970280" y="4809490"/>
-            <a:ext cx="3620135" cy="460375"/>
-          </a:xfrm>
-          <a:prstGeom prst="rect">
-            <a:avLst/>
-          </a:prstGeom>
-          <a:noFill/>
-        </p:spPr>
-        <p:txBody>
-          <a:bodyPr wrap="none" rtlCol="0">
-            <a:spAutoFit/>
-          </a:bodyPr>
-          <a:p>
-            <a:r>
-              <a:rPr lang="zh-CN" altLang="en-US"/>
-              <a:t>演示 查询性能和存储性能</a:t>
-            </a:r>
-            <a:endParaRPr lang="zh-CN" altLang="en-US"/>
-          </a:p>
-        </p:txBody>
-      </p:sp>
-    </p:spTree>
-  </p:cSld>
-  <p:clrMapOvr>
-    <a:masterClrMapping/>
-  </p:clrMapOvr>
-  <p:transition>
-    <p:random/>
-  </p:transition>
-</p:sld>
-</file>
-
-<file path=ppt/slides/slide29.xml><?xml version="1.0" encoding="utf-8"?>
-<p:sld xmlns:a="http://schemas.openxmlformats.org/drawingml/2006/main" xmlns:r="http://schemas.openxmlformats.org/officeDocument/2006/relationships" xmlns:p="http://schemas.openxmlformats.org/presentationml/2006/main">
-  <p:cSld>
-    <p:spTree>
-      <p:nvGrpSpPr>
-        <p:cNvPr id="1" name=""/>
-        <p:cNvGrpSpPr/>
-        <p:nvPr/>
-      </p:nvGrpSpPr>
-      <p:grpSpPr/>
-      <p:sp>
-        <p:nvSpPr>
-          <p:cNvPr id="129" name="文本框 128"/>
-          <p:cNvSpPr txBox="1"/>
-          <p:nvPr/>
-        </p:nvSpPr>
-        <p:spPr>
-          <a:xfrm>
-            <a:off x="1456690" y="1037590"/>
-            <a:ext cx="6131560" cy="1268095"/>
-          </a:xfrm>
-          <a:prstGeom prst="rect">
-            <a:avLst/>
-          </a:prstGeom>
-          <a:noFill/>
-          <a:ln w="9525">
-            <a:noFill/>
-          </a:ln>
-        </p:spPr>
-        <p:txBody>
-          <a:bodyPr wrap="square">
-            <a:spAutoFit/>
-          </a:bodyPr>
-          <a:p>
-            <a:r>
-              <a:rPr lang="zh-CN" sz="1650" b="1">
-                <a:solidFill>
-                  <a:srgbClr val="353535"/>
-                </a:solidFill>
-                <a:cs typeface="Verdana" panose="020B0604030504040204" charset="0"/>
-              </a:rPr>
-              <a:t>Parquet 适配多种计算框架</a:t>
-            </a:r>
-            <a:r>
-              <a:rPr lang="zh-CN" sz="1200">
-                <a:solidFill>
-                  <a:srgbClr val="4A4A4A"/>
-                </a:solidFill>
-                <a:ea typeface="宋体" panose="02010600030101010101" pitchFamily="2" charset="-122"/>
-              </a:rPr>
-              <a:t>-Parquet 是语言无关的，而且不与任何一种数据处理框架绑定在一起，适配多种语言和组件，能够与 Parquet 配合的组件有：-查询引擎</a:t>
-            </a:r>
-            <a:r>
-              <a:rPr lang="en-US" sz="1200">
-                <a:solidFill>
-                  <a:srgbClr val="4A4A4A"/>
-                </a:solidFill>
-                <a:latin typeface="Tahoma" panose="020B0604030504040204" charset="0"/>
-                <a:ea typeface="宋体" panose="02010600030101010101" pitchFamily="2" charset="-122"/>
-              </a:rPr>
-              <a:t>: Hive, Impala, Pig, Presto, Drill, Tajo, HAWQ, IBM Big SQL</a:t>
-            </a:r>
-            <a:r>
-              <a:rPr lang="zh-CN" sz="1200">
-                <a:solidFill>
-                  <a:srgbClr val="4A4A4A"/>
-                </a:solidFill>
-                <a:ea typeface="宋体" panose="02010600030101010101" pitchFamily="2" charset="-122"/>
-              </a:rPr>
-              <a:t>-计算框架</a:t>
-            </a:r>
-            <a:r>
-              <a:rPr lang="en-US" sz="1200">
-                <a:solidFill>
-                  <a:srgbClr val="4A4A4A"/>
-                </a:solidFill>
-                <a:latin typeface="Tahoma" panose="020B0604030504040204" charset="0"/>
-                <a:ea typeface="宋体" panose="02010600030101010101" pitchFamily="2" charset="-122"/>
-              </a:rPr>
-              <a:t>: MapReduce, Spark, Cascading, Crunch, Scalding, Kite</a:t>
-            </a:r>
-            <a:r>
-              <a:rPr lang="zh-CN" sz="1200">
-                <a:solidFill>
-                  <a:srgbClr val="4A4A4A"/>
-                </a:solidFill>
-                <a:ea typeface="宋体" panose="02010600030101010101" pitchFamily="2" charset="-122"/>
-              </a:rPr>
-              <a:t>-数据模型</a:t>
-            </a:r>
-            <a:r>
-              <a:rPr lang="en-US" sz="1200">
-                <a:solidFill>
-                  <a:srgbClr val="4A4A4A"/>
-                </a:solidFill>
-                <a:latin typeface="Tahoma" panose="020B0604030504040204" charset="0"/>
-                <a:ea typeface="宋体" panose="02010600030101010101" pitchFamily="2" charset="-122"/>
-              </a:rPr>
-              <a:t>: Avro, Thrift, Protocol Buffers, POJOs</a:t>
-            </a:r>
-            <a:endParaRPr lang="zh-CN" altLang="en-US"/>
-          </a:p>
-        </p:txBody>
-      </p:sp>
-    </p:spTree>
-  </p:cSld>
-  <p:clrMapOvr>
-    <a:masterClrMapping/>
-  </p:clrMapOvr>
-  <p:transition>
-    <p:random/>
-  </p:transition>
-</p:sld>
-</file>
-
-<file path=ppt/slides/slide3.xml><?xml version="1.0" encoding="utf-8"?>
-<p:sld xmlns:a="http://schemas.openxmlformats.org/drawingml/2006/main" xmlns:r="http://schemas.openxmlformats.org/officeDocument/2006/relationships" xmlns:p="http://schemas.openxmlformats.org/presentationml/2006/main">
-  <p:cSld>
-    <p:spTree>
-      <p:nvGrpSpPr>
-        <p:cNvPr id="1" name=""/>
-        <p:cNvGrpSpPr/>
-        <p:nvPr/>
-      </p:nvGrpSpPr>
-      <p:grpSpPr/>
-      <p:sp>
-        <p:nvSpPr>
-          <p:cNvPr id="4" name="文本框 3"/>
-          <p:cNvSpPr txBox="1"/>
-          <p:nvPr/>
-        </p:nvSpPr>
-        <p:spPr>
-          <a:xfrm>
-            <a:off x="1176655" y="1488440"/>
-            <a:ext cx="7284085" cy="2676525"/>
-          </a:xfrm>
-          <a:prstGeom prst="rect">
-            <a:avLst/>
-          </a:prstGeom>
-          <a:noFill/>
-        </p:spPr>
-        <p:txBody>
-          <a:bodyPr wrap="square" rtlCol="0">
-            <a:spAutoFit/>
-          </a:bodyPr>
-          <a:p>
-            <a:pPr algn="l"/>
-            <a:endParaRPr lang="zh-CN" altLang="en-US"/>
-          </a:p>
-          <a:p>
-            <a:pPr algn="l"/>
-            <a:r>
-              <a:rPr lang="zh-CN" altLang="en-US"/>
-              <a:t>Spark 需要搭配集群管理员和分布式存储系统。</a:t>
-            </a:r>
-            <a:endParaRPr lang="zh-CN" altLang="en-US"/>
-          </a:p>
-          <a:p>
-            <a:pPr algn="l"/>
-            <a:endParaRPr lang="zh-CN" altLang="en-US"/>
-          </a:p>
-          <a:p>
-            <a:pPr algn="l"/>
-            <a:endParaRPr lang="zh-CN" altLang="en-US"/>
-          </a:p>
-          <a:p>
-            <a:pPr algn="l"/>
-            <a:endParaRPr lang="zh-CN" altLang="en-US"/>
-          </a:p>
-          <a:p>
-            <a:pPr algn="l"/>
-            <a:r>
-              <a:rPr lang="zh-CN" altLang="en-US"/>
-              <a:t>启动Python控制台</a:t>
-            </a:r>
-            <a:endParaRPr lang="zh-CN" altLang="en-US"/>
-          </a:p>
-          <a:p>
-            <a:pPr algn="l"/>
-            <a:r>
-              <a:rPr lang="zh-CN" altLang="en-US"/>
-              <a:t>./bin/pyspark</a:t>
-            </a:r>
-            <a:endParaRPr lang="zh-CN" altLang="en-US"/>
-          </a:p>
-        </p:txBody>
-      </p:sp>
-      <p:sp>
-        <p:nvSpPr>
-          <p:cNvPr id="6" name="文本框 5"/>
-          <p:cNvSpPr txBox="1"/>
-          <p:nvPr/>
-        </p:nvSpPr>
-        <p:spPr>
-          <a:xfrm>
-            <a:off x="920115" y="200660"/>
-            <a:ext cx="4496435" cy="768350"/>
-          </a:xfrm>
-          <a:prstGeom prst="rect">
-            <a:avLst/>
-          </a:prstGeom>
-          <a:noFill/>
-        </p:spPr>
-        <p:txBody>
-          <a:bodyPr wrap="square" rtlCol="0">
-            <a:spAutoFit/>
-          </a:bodyPr>
-          <a:p>
-            <a:r>
-              <a:rPr lang="en-US" altLang="zh-CN" sz="4400" b="1">
-                <a:solidFill>
-                  <a:srgbClr val="074888"/>
-                </a:solidFill>
-                <a:effectLst>
-                  <a:outerShdw blurRad="38100" dist="38100" dir="2700000">
-                    <a:srgbClr val="C0C0C0"/>
-                  </a:outerShdw>
-                </a:effectLst>
-                <a:ea typeface="楷体_GB2312" pitchFamily="49" charset="-122"/>
-                <a:cs typeface="+mj-cs"/>
-              </a:rPr>
-              <a:t>spark </a:t>
-            </a:r>
-            <a:r>
-              <a:rPr lang="zh-CN" altLang="en-US" sz="4400" b="1">
-                <a:solidFill>
-                  <a:srgbClr val="074888"/>
-                </a:solidFill>
-                <a:effectLst>
-                  <a:outerShdw blurRad="38100" dist="38100" dir="2700000">
-                    <a:srgbClr val="C0C0C0"/>
-                  </a:outerShdw>
-                </a:effectLst>
-                <a:ea typeface="楷体_GB2312" pitchFamily="49" charset="-122"/>
-                <a:cs typeface="+mj-cs"/>
-              </a:rPr>
-              <a:t>案例</a:t>
-            </a:r>
-            <a:endParaRPr lang="zh-CN" altLang="en-US" sz="4400" b="1">
-              <a:solidFill>
-                <a:srgbClr val="074888"/>
-              </a:solidFill>
-              <a:effectLst>
-                <a:outerShdw blurRad="38100" dist="38100" dir="2700000">
-                  <a:srgbClr val="C0C0C0"/>
-                </a:outerShdw>
-              </a:effectLst>
-              <a:ea typeface="楷体_GB2312" pitchFamily="49" charset="-122"/>
-              <a:cs typeface="+mj-cs"/>
-            </a:endParaRPr>
-          </a:p>
-        </p:txBody>
-      </p:sp>
-    </p:spTree>
-  </p:cSld>
-  <p:clrMapOvr>
-    <a:masterClrMapping/>
-  </p:clrMapOvr>
-  <p:transition/>
-</p:sld>
-</file>
-
-<file path=ppt/slides/slide30.xml><?xml version="1.0" encoding="utf-8"?>
-<p:sld xmlns:a="http://schemas.openxmlformats.org/drawingml/2006/main" xmlns:r="http://schemas.openxmlformats.org/officeDocument/2006/relationships" xmlns:p="http://schemas.openxmlformats.org/presentationml/2006/main">
-  <p:cSld>
-    <p:spTree>
-      <p:nvGrpSpPr>
-        <p:cNvPr id="1" name=""/>
-        <p:cNvGrpSpPr/>
-        <p:nvPr/>
-      </p:nvGrpSpPr>
-      <p:grpSpPr/>
-      <p:sp>
-        <p:nvSpPr>
           <p:cNvPr id="5" name="标题 4"/>
           <p:cNvSpPr>
             <a:spLocks noGrp="1"/>
@@ -8597,7 +8296,19 @@
                 <a:ea typeface="宋体" panose="02010600030101010101" pitchFamily="2" charset="-122"/>
               </a:rPr>
               <a:t>在概念上是一个不可分割的单元（就压缩和编码而言）。-在层次结构上，文件由一个或多个行组组成。一个行组每列只包含一个列块。列块包含一个或多个页面。</a:t>
+在层次结构上，文件由一个或多个行组组成。一个行组每列只包含一个列块。列块包含一个或多个</a:t>
+            </a:r>
+            <a:r>
+              <a:rPr lang="en-US" altLang="zh-CN" sz="2000">
+                <a:ea typeface="宋体" panose="02010600030101010101" pitchFamily="2" charset="-122"/>
+              </a:rPr>
+              <a:t>page</a:t>
+            </a:r>
+            <a:r>
+              <a:rPr lang="zh-CN" sz="2000">
+                <a:ea typeface="宋体" panose="02010600030101010101" pitchFamily="2" charset="-122"/>
+              </a:rPr>
+              <a:t>。</a:t>
             </a:r>
             <a:endParaRPr lang="zh-CN" altLang="en-US" sz="2000"/>
           </a:p>
@@ -8643,7 +8354,7 @@
 </p:sld>
 </file>
 
-<file path=ppt/slides/slide31.xml><?xml version="1.0" encoding="utf-8"?>
+<file path=ppt/slides/slide28.xml><?xml version="1.0" encoding="utf-8"?>
 <p:sld xmlns:a="http://schemas.openxmlformats.org/drawingml/2006/main" xmlns:r="http://schemas.openxmlformats.org/officeDocument/2006/relationships" xmlns:p="http://schemas.openxmlformats.org/presentationml/2006/main">
   <p:cSld>
     <p:spTree>
@@ -8669,7 +8380,7 @@
         </p:blipFill>
         <p:spPr>
           <a:xfrm>
-            <a:off x="1592580" y="1929448"/>
+            <a:off x="1265555" y="1341438"/>
             <a:ext cx="5274310" cy="4022725"/>
           </a:xfrm>
           <a:prstGeom prst="rect">
@@ -8681,38 +8392,6 @@
           </a:ln>
         </p:spPr>
       </p:pic>
-      <p:sp>
-        <p:nvSpPr>
-          <p:cNvPr id="5" name="文本框 4"/>
-          <p:cNvSpPr txBox="1"/>
-          <p:nvPr/>
-        </p:nvSpPr>
-        <p:spPr>
-          <a:xfrm>
-            <a:off x="1162050" y="1267460"/>
-            <a:ext cx="5348605" cy="829945"/>
-          </a:xfrm>
-          <a:prstGeom prst="rect">
-            <a:avLst/>
-          </a:prstGeom>
-          <a:noFill/>
-        </p:spPr>
-        <p:txBody>
-          <a:bodyPr wrap="none" rtlCol="0">
-            <a:spAutoFit/>
-          </a:bodyPr>
-          <a:p>
-            <a:r>
-              <a:rPr lang="en-US" altLang="zh-CN"/>
-              <a:t>jar meta  jar dump -n  jar  head  jar cat</a:t>
-            </a:r>
-            <a:endParaRPr lang="en-US" altLang="zh-CN"/>
-          </a:p>
-          <a:p>
-            <a:endParaRPr lang="en-US" altLang="zh-CN"/>
-          </a:p>
-        </p:txBody>
-      </p:sp>
       <p:sp>
         <p:nvSpPr>
           <p:cNvPr id="6" name="标题 5"/>
@@ -8743,6 +8422,536 @@
           </a:p>
         </p:txBody>
       </p:sp>
+    </p:spTree>
+  </p:cSld>
+  <p:clrMapOvr>
+    <a:masterClrMapping/>
+  </p:clrMapOvr>
+  <p:transition>
+    <p:random/>
+  </p:transition>
+</p:sld>
+</file>
+
+<file path=ppt/slides/slide29.xml><?xml version="1.0" encoding="utf-8"?>
+<p:sld xmlns:a="http://schemas.openxmlformats.org/drawingml/2006/main" xmlns:r="http://schemas.openxmlformats.org/officeDocument/2006/relationships" xmlns:p="http://schemas.openxmlformats.org/presentationml/2006/main">
+  <p:cSld>
+    <p:spTree>
+      <p:nvGrpSpPr>
+        <p:cNvPr id="1" name=""/>
+        <p:cNvGrpSpPr/>
+        <p:nvPr/>
+      </p:nvGrpSpPr>
+      <p:grpSpPr/>
+      <p:sp>
+        <p:nvSpPr>
+          <p:cNvPr id="2" name="标题 1"/>
+          <p:cNvSpPr>
+            <a:spLocks noGrp="1"/>
+          </p:cNvSpPr>
+          <p:nvPr>
+            <p:ph type="title"/>
+          </p:nvPr>
+        </p:nvSpPr>
+        <p:spPr/>
+        <p:txBody>
+          <a:bodyPr/>
+          <a:p>
+            <a:r>
+              <a:rPr lang="zh-CN" altLang="en-US" sz="3600"/>
+              <a:t>Parquet 内部的数据类型、存储格式</a:t>
+            </a:r>
+            <a:endParaRPr lang="zh-CN" altLang="en-US" sz="3600"/>
+          </a:p>
+        </p:txBody>
+      </p:sp>
+      <p:pic>
+        <p:nvPicPr>
+          <p:cNvPr id="27" name="图片 26"/>
+          <p:cNvPicPr>
+            <a:picLocks noChangeAspect="1"/>
+          </p:cNvPicPr>
+          <p:nvPr/>
+        </p:nvPicPr>
+        <p:blipFill>
+          <a:blip r:embed="rId1"/>
+          <a:stretch>
+            <a:fillRect/>
+          </a:stretch>
+        </p:blipFill>
+        <p:spPr>
+          <a:xfrm>
+            <a:off x="777240" y="907415"/>
+            <a:ext cx="8366760" cy="2141855"/>
+          </a:xfrm>
+          <a:prstGeom prst="rect">
+            <a:avLst/>
+          </a:prstGeom>
+        </p:spPr>
+      </p:pic>
+      <p:pic>
+        <p:nvPicPr>
+          <p:cNvPr id="29" name="图片 10"/>
+          <p:cNvPicPr>
+            <a:picLocks noChangeAspect="1"/>
+          </p:cNvPicPr>
+          <p:nvPr/>
+        </p:nvPicPr>
+        <p:blipFill>
+          <a:blip r:embed="rId2"/>
+          <a:srcRect t="11010"/>
+          <a:stretch>
+            <a:fillRect/>
+          </a:stretch>
+        </p:blipFill>
+        <p:spPr>
+          <a:xfrm>
+            <a:off x="1260475" y="3346450"/>
+            <a:ext cx="6981190" cy="2668905"/>
+          </a:xfrm>
+          <a:prstGeom prst="rect">
+            <a:avLst/>
+          </a:prstGeom>
+          <a:noFill/>
+          <a:ln>
+            <a:noFill/>
+          </a:ln>
+        </p:spPr>
+      </p:pic>
+    </p:spTree>
+  </p:cSld>
+  <p:clrMapOvr>
+    <a:masterClrMapping/>
+  </p:clrMapOvr>
+  <p:transition>
+    <p:random/>
+  </p:transition>
+</p:sld>
+</file>
+
+<file path=ppt/slides/slide3.xml><?xml version="1.0" encoding="utf-8"?>
+<p:sld xmlns:a="http://schemas.openxmlformats.org/drawingml/2006/main" xmlns:r="http://schemas.openxmlformats.org/officeDocument/2006/relationships" xmlns:p="http://schemas.openxmlformats.org/presentationml/2006/main">
+  <p:cSld>
+    <p:spTree>
+      <p:nvGrpSpPr>
+        <p:cNvPr id="1" name=""/>
+        <p:cNvGrpSpPr/>
+        <p:nvPr/>
+      </p:nvGrpSpPr>
+      <p:grpSpPr/>
+      <p:sp>
+        <p:nvSpPr>
+          <p:cNvPr id="4" name="文本框 3"/>
+          <p:cNvSpPr txBox="1"/>
+          <p:nvPr/>
+        </p:nvSpPr>
+        <p:spPr>
+          <a:xfrm>
+            <a:off x="1193165" y="1504950"/>
+            <a:ext cx="7284085" cy="2676525"/>
+          </a:xfrm>
+          <a:prstGeom prst="rect">
+            <a:avLst/>
+          </a:prstGeom>
+          <a:noFill/>
+        </p:spPr>
+        <p:txBody>
+          <a:bodyPr wrap="square" rtlCol="0">
+            <a:spAutoFit/>
+          </a:bodyPr>
+          <a:p>
+            <a:pPr algn="l"/>
+            <a:endParaRPr lang="zh-CN" altLang="en-US"/>
+          </a:p>
+          <a:p>
+            <a:pPr algn="l"/>
+            <a:r>
+              <a:rPr lang="zh-CN" altLang="en-US"/>
+              <a:t>Spark 需要搭配集群管理员和分布式存储系统。</a:t>
+            </a:r>
+            <a:endParaRPr lang="zh-CN" altLang="en-US"/>
+          </a:p>
+          <a:p>
+            <a:pPr algn="l"/>
+            <a:endParaRPr lang="zh-CN" altLang="en-US"/>
+          </a:p>
+          <a:p>
+            <a:pPr algn="l"/>
+            <a:endParaRPr lang="zh-CN" altLang="en-US"/>
+          </a:p>
+          <a:p>
+            <a:pPr algn="l"/>
+            <a:endParaRPr lang="zh-CN" altLang="en-US"/>
+          </a:p>
+          <a:p>
+            <a:pPr algn="l"/>
+            <a:r>
+              <a:rPr lang="zh-CN" altLang="en-US"/>
+              <a:t>启动Python控制台</a:t>
+            </a:r>
+            <a:endParaRPr lang="zh-CN" altLang="en-US"/>
+          </a:p>
+          <a:p>
+            <a:pPr algn="l"/>
+            <a:r>
+              <a:rPr lang="zh-CN" altLang="en-US"/>
+              <a:t>./bin/pyspark</a:t>
+            </a:r>
+            <a:endParaRPr lang="zh-CN" altLang="en-US"/>
+          </a:p>
+        </p:txBody>
+      </p:sp>
+      <p:sp>
+        <p:nvSpPr>
+          <p:cNvPr id="6" name="文本框 5"/>
+          <p:cNvSpPr txBox="1"/>
+          <p:nvPr/>
+        </p:nvSpPr>
+        <p:spPr>
+          <a:xfrm>
+            <a:off x="920115" y="200660"/>
+            <a:ext cx="4496435" cy="768350"/>
+          </a:xfrm>
+          <a:prstGeom prst="rect">
+            <a:avLst/>
+          </a:prstGeom>
+          <a:noFill/>
+        </p:spPr>
+        <p:txBody>
+          <a:bodyPr wrap="square" rtlCol="0">
+            <a:spAutoFit/>
+          </a:bodyPr>
+          <a:p>
+            <a:r>
+              <a:rPr lang="en-US" altLang="zh-CN" sz="4400" b="1">
+                <a:solidFill>
+                  <a:srgbClr val="074888"/>
+                </a:solidFill>
+                <a:effectLst>
+                  <a:outerShdw blurRad="38100" dist="38100" dir="2700000">
+                    <a:srgbClr val="C0C0C0"/>
+                  </a:outerShdw>
+                </a:effectLst>
+                <a:ea typeface="楷体_GB2312" pitchFamily="49" charset="-122"/>
+                <a:cs typeface="+mj-cs"/>
+              </a:rPr>
+              <a:t>spark </a:t>
+            </a:r>
+            <a:r>
+              <a:rPr lang="zh-CN" altLang="en-US" sz="4400" b="1">
+                <a:solidFill>
+                  <a:srgbClr val="074888"/>
+                </a:solidFill>
+                <a:effectLst>
+                  <a:outerShdw blurRad="38100" dist="38100" dir="2700000">
+                    <a:srgbClr val="C0C0C0"/>
+                  </a:outerShdw>
+                </a:effectLst>
+                <a:ea typeface="楷体_GB2312" pitchFamily="49" charset="-122"/>
+                <a:cs typeface="+mj-cs"/>
+              </a:rPr>
+              <a:t>案例</a:t>
+            </a:r>
+            <a:endParaRPr lang="zh-CN" altLang="en-US" sz="4400" b="1">
+              <a:solidFill>
+                <a:srgbClr val="074888"/>
+              </a:solidFill>
+              <a:effectLst>
+                <a:outerShdw blurRad="38100" dist="38100" dir="2700000">
+                  <a:srgbClr val="C0C0C0"/>
+                </a:outerShdw>
+              </a:effectLst>
+              <a:ea typeface="楷体_GB2312" pitchFamily="49" charset="-122"/>
+              <a:cs typeface="+mj-cs"/>
+            </a:endParaRPr>
+          </a:p>
+        </p:txBody>
+      </p:sp>
+    </p:spTree>
+  </p:cSld>
+  <p:clrMapOvr>
+    <a:masterClrMapping/>
+  </p:clrMapOvr>
+  <p:transition/>
+</p:sld>
+</file>
+
+<file path=ppt/slides/slide30.xml><?xml version="1.0" encoding="utf-8"?>
+<p:sld xmlns:a="http://schemas.openxmlformats.org/drawingml/2006/main" xmlns:r="http://schemas.openxmlformats.org/officeDocument/2006/relationships" xmlns:p="http://schemas.openxmlformats.org/presentationml/2006/main">
+  <p:cSld>
+    <p:spTree>
+      <p:nvGrpSpPr>
+        <p:cNvPr id="1" name=""/>
+        <p:cNvGrpSpPr/>
+        <p:nvPr/>
+      </p:nvGrpSpPr>
+      <p:grpSpPr/>
+      <p:pic>
+        <p:nvPicPr>
+          <p:cNvPr id="19" name="图片 19"/>
+          <p:cNvPicPr>
+            <a:picLocks noChangeAspect="1"/>
+          </p:cNvPicPr>
+          <p:nvPr/>
+        </p:nvPicPr>
+        <p:blipFill>
+          <a:blip r:embed="rId1"/>
+          <a:stretch>
+            <a:fillRect/>
+          </a:stretch>
+        </p:blipFill>
+        <p:spPr>
+          <a:xfrm>
+            <a:off x="1934845" y="646430"/>
+            <a:ext cx="5274310" cy="4028440"/>
+          </a:xfrm>
+          <a:prstGeom prst="rect">
+            <a:avLst/>
+          </a:prstGeom>
+          <a:noFill/>
+          <a:ln>
+            <a:noFill/>
+          </a:ln>
+        </p:spPr>
+      </p:pic>
+      <p:sp>
+        <p:nvSpPr>
+          <p:cNvPr id="129" name="文本框 128"/>
+          <p:cNvSpPr txBox="1"/>
+          <p:nvPr/>
+        </p:nvSpPr>
+        <p:spPr>
+          <a:xfrm>
+            <a:off x="1252855" y="5045075"/>
+            <a:ext cx="7620000" cy="1214755"/>
+          </a:xfrm>
+          <a:prstGeom prst="rect">
+            <a:avLst/>
+          </a:prstGeom>
+          <a:noFill/>
+          <a:ln w="9525">
+            <a:noFill/>
+          </a:ln>
+        </p:spPr>
+        <p:txBody>
+          <a:bodyPr wrap="square">
+            <a:spAutoFit/>
+          </a:bodyPr>
+          <a:p>
+            <a:r>
+              <a:rPr lang="en-US" sz="2250" b="1">
+                <a:solidFill>
+                  <a:srgbClr val="333333"/>
+                </a:solidFill>
+                <a:latin typeface="Helvetica" charset="0"/>
+              </a:rPr>
+              <a:t>Metadata</a:t>
+            </a:r>
+            <a:r>
+              <a:rPr lang="en-US" sz="1050">
+                <a:latin typeface="Calibri" panose="020F0502020204030204" charset="0"/>
+                <a:ea typeface="宋体" panose="02010600030101010101" pitchFamily="2" charset="-122"/>
+                <a:cs typeface="Times New Roman" panose="02020603050405020304" pitchFamily="18" charset="0"/>
+              </a:rPr>
+              <a:t>+ </a:t>
+            </a:r>
+            <a:r>
+              <a:rPr lang="zh-CN" sz="1050">
+                <a:latin typeface="Calibri" panose="020F0502020204030204" charset="0"/>
+                <a:ea typeface="宋体" panose="02010600030101010101" pitchFamily="2" charset="-122"/>
+              </a:rPr>
+              <a:t>+</a:t>
+            </a:r>
+            <a:r>
+              <a:rPr lang="zh-CN" sz="2000">
+                <a:latin typeface="Calibri" panose="020F0502020204030204" charset="0"/>
+                <a:ea typeface="宋体" panose="02010600030101010101" pitchFamily="2" charset="-122"/>
+              </a:rPr>
+              <a:t>元数据有三种类型：</a:t>
+            </a:r>
+            <a:r>
+              <a:rPr lang="en-US" sz="2000">
+                <a:latin typeface="Calibri" panose="020F0502020204030204" charset="0"/>
+                <a:ea typeface="宋体" panose="02010600030101010101" pitchFamily="2" charset="-122"/>
+                <a:cs typeface="Times New Roman" panose="02020603050405020304" pitchFamily="18" charset="0"/>
+              </a:rPr>
+              <a:t> file metadata, column (chunk) metadata and page header metadata</a:t>
+            </a:r>
+            <a:r>
+              <a:rPr lang="zh-CN" sz="2000">
+                <a:latin typeface="Calibri" panose="020F0502020204030204" charset="0"/>
+                <a:ea typeface="宋体" panose="02010600030101010101" pitchFamily="2" charset="-122"/>
+              </a:rPr>
+              <a:t>。所有协议都使用</a:t>
+            </a:r>
+            <a:r>
+              <a:rPr lang="en-US" sz="2000">
+                <a:latin typeface="Calibri" panose="020F0502020204030204" charset="0"/>
+                <a:ea typeface="宋体" panose="02010600030101010101" pitchFamily="2" charset="-122"/>
+              </a:rPr>
+              <a:t>TCompactProtocol</a:t>
+            </a:r>
+            <a:r>
+              <a:rPr lang="zh-CN" sz="2000">
+                <a:latin typeface="Calibri" panose="020F0502020204030204" charset="0"/>
+                <a:ea typeface="宋体" panose="02010600030101010101" pitchFamily="2" charset="-122"/>
+              </a:rPr>
+              <a:t>序列化。</a:t>
+            </a:r>
+            <a:endParaRPr lang="zh-CN" altLang="en-US" sz="2000"/>
+          </a:p>
+        </p:txBody>
+      </p:sp>
+    </p:spTree>
+  </p:cSld>
+  <p:clrMapOvr>
+    <a:masterClrMapping/>
+  </p:clrMapOvr>
+  <p:transition>
+    <p:random/>
+  </p:transition>
+</p:sld>
+</file>
+
+<file path=ppt/slides/slide31.xml><?xml version="1.0" encoding="utf-8"?>
+<p:sld xmlns:a="http://schemas.openxmlformats.org/drawingml/2006/main" xmlns:r="http://schemas.openxmlformats.org/officeDocument/2006/relationships" xmlns:p="http://schemas.openxmlformats.org/presentationml/2006/main">
+  <p:cSld>
+    <p:spTree>
+      <p:nvGrpSpPr>
+        <p:cNvPr id="1" name=""/>
+        <p:cNvGrpSpPr/>
+        <p:nvPr/>
+      </p:nvGrpSpPr>
+      <p:grpSpPr/>
+      <p:sp>
+        <p:nvSpPr>
+          <p:cNvPr id="6" name="标题 5"/>
+          <p:cNvSpPr>
+            <a:spLocks noGrp="1"/>
+          </p:cNvSpPr>
+          <p:nvPr>
+            <p:ph type="title"/>
+          </p:nvPr>
+        </p:nvSpPr>
+        <p:spPr>
+          <a:xfrm>
+            <a:off x="838200" y="198755"/>
+            <a:ext cx="8001000" cy="825500"/>
+          </a:xfrm>
+        </p:spPr>
+        <p:txBody>
+          <a:bodyPr/>
+          <a:p>
+            <a:r>
+              <a:rPr lang="en-US" altLang="zh-CN" sz="3600"/>
+              <a:t>Striping/Assembly 算法</a:t>
+            </a:r>
+            <a:br>
+              <a:rPr lang="en-US" altLang="zh-CN" sz="3600"/>
+            </a:br>
+            <a:r>
+              <a:rPr lang="en-US" altLang="zh-CN" sz="3600"/>
+              <a:t>嵌套类型数据</a:t>
+            </a:r>
+            <a:endParaRPr lang="en-US" altLang="zh-CN" sz="3600"/>
+          </a:p>
+        </p:txBody>
+      </p:sp>
+      <p:pic>
+        <p:nvPicPr>
+          <p:cNvPr id="7" name="图片 6"/>
+          <p:cNvPicPr>
+            <a:picLocks noChangeAspect="1"/>
+          </p:cNvPicPr>
+          <p:nvPr/>
+        </p:nvPicPr>
+        <p:blipFill>
+          <a:blip r:embed="rId1"/>
+          <a:stretch>
+            <a:fillRect/>
+          </a:stretch>
+        </p:blipFill>
+        <p:spPr>
+          <a:xfrm>
+            <a:off x="1200150" y="1444625"/>
+            <a:ext cx="3387090" cy="1911350"/>
+          </a:xfrm>
+          <a:prstGeom prst="rect">
+            <a:avLst/>
+          </a:prstGeom>
+        </p:spPr>
+      </p:pic>
+      <p:sp>
+        <p:nvSpPr>
+          <p:cNvPr id="8" name="文本框 7"/>
+          <p:cNvSpPr txBox="1"/>
+          <p:nvPr/>
+        </p:nvSpPr>
+        <p:spPr>
+          <a:xfrm>
+            <a:off x="1200150" y="3355975"/>
+            <a:ext cx="7071360" cy="1198880"/>
+          </a:xfrm>
+          <a:prstGeom prst="rect">
+            <a:avLst/>
+          </a:prstGeom>
+          <a:noFill/>
+        </p:spPr>
+        <p:txBody>
+          <a:bodyPr wrap="square" rtlCol="0" anchor="t">
+            <a:spAutoFit/>
+          </a:bodyPr>
+          <a:p>
+            <a:r>
+              <a:rPr lang="zh-CN" altLang="en-US"/>
+              <a:t>一个 column chunk 负责存储某一列的数据，这些数据是这一列的 Repetition levels</a:t>
+            </a:r>
+            <a:r>
+              <a:rPr lang="en-US" altLang="zh-CN"/>
+              <a:t>(R)</a:t>
+            </a:r>
+            <a:r>
+              <a:rPr lang="zh-CN" altLang="en-US"/>
+              <a:t>, Definition levels</a:t>
+            </a:r>
+            <a:r>
+              <a:rPr lang="en-US" altLang="zh-CN"/>
+              <a:t>(D)</a:t>
+            </a:r>
+            <a:r>
+              <a:rPr lang="zh-CN" altLang="en-US"/>
+              <a:t>和 values</a:t>
+            </a:r>
+            <a:endParaRPr lang="zh-CN" altLang="en-US"/>
+          </a:p>
+        </p:txBody>
+      </p:sp>
+      <p:pic>
+        <p:nvPicPr>
+          <p:cNvPr id="9" name="图片 8"/>
+          <p:cNvPicPr>
+            <a:picLocks noChangeAspect="1"/>
+          </p:cNvPicPr>
+          <p:nvPr/>
+        </p:nvPicPr>
+        <p:blipFill>
+          <a:blip r:embed="rId2"/>
+          <a:stretch>
+            <a:fillRect/>
+          </a:stretch>
+        </p:blipFill>
+        <p:spPr>
+          <a:xfrm>
+            <a:off x="1200150" y="4767580"/>
+            <a:ext cx="5932170" cy="1589405"/>
+          </a:xfrm>
+          <a:prstGeom prst="rect">
+            <a:avLst/>
+          </a:prstGeom>
+        </p:spPr>
+      </p:pic>
     </p:spTree>
   </p:cSld>
   <p:clrMapOvr>
@@ -8764,31 +8973,9 @@
         <p:nvPr/>
       </p:nvGrpSpPr>
       <p:grpSpPr/>
-      <p:sp>
-        <p:nvSpPr>
-          <p:cNvPr id="2" name="标题 1"/>
-          <p:cNvSpPr>
-            <a:spLocks noGrp="1"/>
-          </p:cNvSpPr>
-          <p:nvPr>
-            <p:ph type="title"/>
-          </p:nvPr>
-        </p:nvSpPr>
-        <p:spPr/>
-        <p:txBody>
-          <a:bodyPr/>
-          <a:p>
-            <a:r>
-              <a:rPr lang="zh-CN" altLang="en-US" sz="3600"/>
-              <a:t>Parquet 内部的数据类型、存储格式</a:t>
-            </a:r>
-            <a:endParaRPr lang="zh-CN" altLang="en-US" sz="3600"/>
-          </a:p>
-        </p:txBody>
-      </p:sp>
       <p:pic>
         <p:nvPicPr>
-          <p:cNvPr id="27" name="图片 26"/>
+          <p:cNvPr id="9" name="图片 8"/>
           <p:cNvPicPr>
             <a:picLocks noChangeAspect="1"/>
           </p:cNvPicPr>
@@ -8802,43 +8989,76 @@
         </p:blipFill>
         <p:spPr>
           <a:xfrm>
-            <a:off x="777240" y="907415"/>
-            <a:ext cx="8366760" cy="2141855"/>
+            <a:off x="1605915" y="474980"/>
+            <a:ext cx="5932170" cy="1589405"/>
           </a:xfrm>
           <a:prstGeom prst="rect">
             <a:avLst/>
           </a:prstGeom>
         </p:spPr>
       </p:pic>
-      <p:pic>
-        <p:nvPicPr>
-          <p:cNvPr id="29" name="图片 10"/>
-          <p:cNvPicPr>
-            <a:picLocks noChangeAspect="1"/>
-          </p:cNvPicPr>
+      <p:sp>
+        <p:nvSpPr>
+          <p:cNvPr id="5" name="文本框 4"/>
+          <p:cNvSpPr txBox="1"/>
           <p:nvPr/>
-        </p:nvPicPr>
-        <p:blipFill>
-          <a:blip r:embed="rId2"/>
-          <a:srcRect t="11010"/>
-          <a:stretch>
-            <a:fillRect/>
-          </a:stretch>
-        </p:blipFill>
-        <p:spPr>
-          <a:xfrm>
-            <a:off x="1260475" y="3346450"/>
-            <a:ext cx="6981190" cy="2668905"/>
+        </p:nvSpPr>
+        <p:spPr>
+          <a:xfrm>
+            <a:off x="1631315" y="2681605"/>
+            <a:ext cx="7314565" cy="2306955"/>
           </a:xfrm>
           <a:prstGeom prst="rect">
             <a:avLst/>
           </a:prstGeom>
           <a:noFill/>
-          <a:ln>
-            <a:noFill/>
-          </a:ln>
-        </p:spPr>
-      </p:pic>
+        </p:spPr>
+        <p:txBody>
+          <a:bodyPr wrap="square" rtlCol="0">
+            <a:spAutoFit/>
+          </a:bodyPr>
+          <a:p>
+            <a:pPr algn="l"/>
+            <a:r>
+              <a:rPr lang="zh-CN" altLang="en-US" b="1">
+                <a:sym typeface="+mn-ea"/>
+              </a:rPr>
+              <a:t>Repetition Level</a:t>
+            </a:r>
+            <a:endParaRPr lang="zh-CN" altLang="en-US" b="1"/>
+          </a:p>
+          <a:p>
+            <a:pPr algn="l"/>
+            <a:r>
+              <a:rPr lang="zh-CN" altLang="en-US"/>
+              <a:t>在关系型数据中，repetion level 总是 0。</a:t>
+            </a:r>
+            <a:endParaRPr lang="zh-CN" altLang="en-US"/>
+          </a:p>
+          <a:p>
+            <a:pPr algn="l"/>
+            <a:endParaRPr lang="zh-CN" altLang="en-US"/>
+          </a:p>
+          <a:p>
+            <a:pPr algn="l"/>
+            <a:r>
+              <a:rPr lang="zh-CN" altLang="en-US" b="1">
+                <a:sym typeface="+mn-ea"/>
+              </a:rPr>
+              <a:t>Definition Level</a:t>
+            </a:r>
+            <a:endParaRPr lang="zh-CN" altLang="en-US" b="1"/>
+          </a:p>
+          <a:p>
+            <a:pPr algn="l"/>
+            <a:r>
+              <a:rPr lang="zh-CN" altLang="en-US"/>
+              <a:t>在关系型数据中，optional 类型的 field 被编码成 0 表示空和 1 表示非空（或者反之）</a:t>
+            </a:r>
+            <a:endParaRPr lang="zh-CN" altLang="en-US"/>
+          </a:p>
+        </p:txBody>
+      </p:sp>
     </p:spTree>
   </p:cSld>
   <p:clrMapOvr>
@@ -8862,10 +9082,8 @@
       <p:grpSpPr/>
       <p:pic>
         <p:nvPicPr>
-          <p:cNvPr id="19" name="图片 19"/>
-          <p:cNvPicPr>
-            <a:picLocks noChangeAspect="1"/>
-          </p:cNvPicPr>
+          <p:cNvPr id="123" name="图片 122"/>
+          <p:cNvPicPr/>
           <p:nvPr/>
         </p:nvPicPr>
         <p:blipFill>
@@ -8876,28 +9094,8 @@
         </p:blipFill>
         <p:spPr>
           <a:xfrm>
-            <a:off x="1934845" y="646430"/>
-            <a:ext cx="5274310" cy="4028440"/>
-          </a:xfrm>
-          <a:prstGeom prst="rect">
-            <a:avLst/>
-          </a:prstGeom>
-          <a:noFill/>
-          <a:ln>
-            <a:noFill/>
-          </a:ln>
-        </p:spPr>
-      </p:pic>
-      <p:sp>
-        <p:nvSpPr>
-          <p:cNvPr id="129" name="文本框 128"/>
-          <p:cNvSpPr txBox="1"/>
-          <p:nvPr/>
-        </p:nvSpPr>
-        <p:spPr>
-          <a:xfrm>
-            <a:off x="1252855" y="5045075"/>
-            <a:ext cx="7620000" cy="1214755"/>
+            <a:off x="1933575" y="-3484880"/>
+            <a:ext cx="5276850" cy="2209800"/>
           </a:xfrm>
           <a:prstGeom prst="rect">
             <a:avLst/>
@@ -8907,74 +9105,331 @@
             <a:noFill/>
           </a:ln>
         </p:spPr>
-        <p:txBody>
-          <a:bodyPr wrap="square">
+      </p:pic>
+      <p:sp>
+        <p:nvSpPr>
+          <p:cNvPr id="124" name="文本框 123"/>
+          <p:cNvSpPr txBox="1"/>
+          <p:nvPr/>
+        </p:nvSpPr>
+        <p:spPr>
+          <a:xfrm>
+            <a:off x="1933575" y="-1275080"/>
+            <a:ext cx="5080000" cy="252730"/>
+          </a:xfrm>
+          <a:prstGeom prst="rect">
+            <a:avLst/>
+          </a:prstGeom>
+          <a:noFill/>
+          <a:ln w="9525">
+            <a:noFill/>
+          </a:ln>
+        </p:spPr>
+        <p:txBody>
+          <a:bodyPr>
             <a:spAutoFit/>
           </a:bodyPr>
           <a:p>
-            <a:r>
-              <a:rPr lang="en-US" sz="2250" b="1">
-                <a:solidFill>
-                  <a:srgbClr val="333333"/>
-                </a:solidFill>
-                <a:latin typeface="Helvetica" charset="0"/>
-              </a:rPr>
-              <a:t>Metadata</a:t>
-            </a:r>
             <a:r>
               <a:rPr lang="en-US" sz="1050">
                 <a:latin typeface="Calibri" panose="020F0502020204030204" charset="0"/>
                 <a:ea typeface="宋体" panose="02010600030101010101" pitchFamily="2" charset="-122"/>
                 <a:cs typeface="Times New Roman" panose="02020603050405020304" pitchFamily="18" charset="0"/>
               </a:rPr>
-              <a:t>- </a:t>
-            </a:r>
-            <a:r>
-              <a:rPr lang="zh-CN" sz="1050">
-                <a:latin typeface="Calibri" panose="020F0502020204030204" charset="0"/>
-                <a:ea typeface="宋体" panose="02010600030101010101" pitchFamily="2" charset="-122"/>
-              </a:rPr>
-              <a:t>-</a:t>
-            </a:r>
-            <a:r>
-              <a:rPr lang="zh-CN" sz="2000">
-                <a:latin typeface="Calibri" panose="020F0502020204030204" charset="0"/>
-                <a:ea typeface="宋体" panose="02010600030101010101" pitchFamily="2" charset="-122"/>
-              </a:rPr>
-              <a:t>元数据有三种类型：</a:t>
-            </a:r>
-            <a:r>
-              <a:rPr lang="en-US" sz="2000">
+              <a:t> </a:t>
+            </a:r>
+            <a:endParaRPr lang="zh-CN" altLang="en-US"/>
+          </a:p>
+        </p:txBody>
+      </p:sp>
+      <p:pic>
+        <p:nvPicPr>
+          <p:cNvPr id="4" name="图片 3"/>
+          <p:cNvPicPr/>
+          <p:nvPr/>
+        </p:nvPicPr>
+        <p:blipFill>
+          <a:blip r:embed="rId2"/>
+          <a:stretch>
+            <a:fillRect/>
+          </a:stretch>
+        </p:blipFill>
+        <p:spPr>
+          <a:xfrm>
+            <a:off x="1933575" y="-1022350"/>
+            <a:ext cx="5276850" cy="1838325"/>
+          </a:xfrm>
+          <a:prstGeom prst="rect">
+            <a:avLst/>
+          </a:prstGeom>
+          <a:noFill/>
+          <a:ln w="9525">
+            <a:noFill/>
+          </a:ln>
+        </p:spPr>
+      </p:pic>
+      <p:sp>
+        <p:nvSpPr>
+          <p:cNvPr id="125" name="文本框 124"/>
+          <p:cNvSpPr txBox="1"/>
+          <p:nvPr/>
+        </p:nvSpPr>
+        <p:spPr>
+          <a:xfrm>
+            <a:off x="1933575" y="815975"/>
+            <a:ext cx="5080000" cy="414020"/>
+          </a:xfrm>
+          <a:prstGeom prst="rect">
+            <a:avLst/>
+          </a:prstGeom>
+          <a:noFill/>
+          <a:ln w="9525">
+            <a:noFill/>
+          </a:ln>
+        </p:spPr>
+        <p:txBody>
+          <a:bodyPr>
+            <a:spAutoFit/>
+          </a:bodyPr>
+          <a:p>
+            <a:r>
+              <a:rPr lang="en-US" sz="1050">
                 <a:latin typeface="Calibri" panose="020F0502020204030204" charset="0"/>
                 <a:ea typeface="宋体" panose="02010600030101010101" pitchFamily="2" charset="-122"/>
                 <a:cs typeface="Times New Roman" panose="02020603050405020304" pitchFamily="18" charset="0"/>
               </a:rPr>
-              <a:t> file metadata, column (chunk) metadata and page header metadata</a:t>
-            </a:r>
-            <a:r>
-              <a:rPr lang="zh-CN" sz="2000">
+              <a:t>+ </a:t>
+            </a:r>
+            <a:endParaRPr lang="zh-CN" altLang="en-US"/>
+          </a:p>
+        </p:txBody>
+      </p:sp>
+      <p:pic>
+        <p:nvPicPr>
+          <p:cNvPr id="5" name="图片 4"/>
+          <p:cNvPicPr/>
+          <p:nvPr/>
+        </p:nvPicPr>
+        <p:blipFill>
+          <a:blip r:embed="rId3"/>
+          <a:stretch>
+            <a:fillRect/>
+          </a:stretch>
+        </p:blipFill>
+        <p:spPr>
+          <a:xfrm>
+            <a:off x="1933575" y="1229995"/>
+            <a:ext cx="5276850" cy="1609725"/>
+          </a:xfrm>
+          <a:prstGeom prst="rect">
+            <a:avLst/>
+          </a:prstGeom>
+          <a:noFill/>
+          <a:ln w="9525">
+            <a:noFill/>
+          </a:ln>
+        </p:spPr>
+      </p:pic>
+      <p:sp>
+        <p:nvSpPr>
+          <p:cNvPr id="126" name="文本框 125"/>
+          <p:cNvSpPr txBox="1"/>
+          <p:nvPr/>
+        </p:nvSpPr>
+        <p:spPr>
+          <a:xfrm>
+            <a:off x="1933575" y="2839720"/>
+            <a:ext cx="5080000" cy="760730"/>
+          </a:xfrm>
+          <a:prstGeom prst="rect">
+            <a:avLst/>
+          </a:prstGeom>
+          <a:noFill/>
+          <a:ln w="9525">
+            <a:noFill/>
+          </a:ln>
+        </p:spPr>
+        <p:txBody>
+          <a:bodyPr>
+            <a:spAutoFit/>
+          </a:bodyPr>
+          <a:p>
+            <a:r>
+              <a:rPr lang="en-US" sz="1050">
                 <a:latin typeface="Calibri" panose="020F0502020204030204" charset="0"/>
                 <a:ea typeface="宋体" panose="02010600030101010101" pitchFamily="2" charset="-122"/>
-              </a:rPr>
-              <a:t>。所有协议都使用</a:t>
-            </a:r>
-            <a:r>
-              <a:rPr lang="en-US" sz="2000">
+                <a:cs typeface="Times New Roman" panose="02020603050405020304" pitchFamily="18" charset="0"/>
+              </a:rPr>
+              <a:t>+ + </a:t>
+            </a:r>
+            <a:r>
+              <a:rPr lang="zh-CN" sz="1200">
+                <a:solidFill>
+                  <a:srgbClr val="4A4A4A"/>
+                </a:solidFill>
+                <a:ea typeface="宋体" panose="02010600030101010101" pitchFamily="2" charset="-122"/>
+              </a:rPr>
+              <a:t>+Parquet 内部的数据类型、存储格式</a:t>
+            </a:r>
+            <a:endParaRPr lang="zh-CN" altLang="en-US"/>
+          </a:p>
+        </p:txBody>
+      </p:sp>
+      <p:pic>
+        <p:nvPicPr>
+          <p:cNvPr id="6" name="图片 5"/>
+          <p:cNvPicPr/>
+          <p:nvPr/>
+        </p:nvPicPr>
+        <p:blipFill>
+          <a:blip r:embed="rId4"/>
+          <a:stretch>
+            <a:fillRect/>
+          </a:stretch>
+        </p:blipFill>
+        <p:spPr>
+          <a:xfrm>
+            <a:off x="1933575" y="3600450"/>
+            <a:ext cx="5267325" cy="771525"/>
+          </a:xfrm>
+          <a:prstGeom prst="rect">
+            <a:avLst/>
+          </a:prstGeom>
+          <a:noFill/>
+          <a:ln w="9525">
+            <a:noFill/>
+          </a:ln>
+        </p:spPr>
+      </p:pic>
+      <p:pic>
+        <p:nvPicPr>
+          <p:cNvPr id="127" name="图片 126"/>
+          <p:cNvPicPr/>
+          <p:nvPr/>
+        </p:nvPicPr>
+        <p:blipFill>
+          <a:blip r:embed="rId5"/>
+          <a:stretch>
+            <a:fillRect/>
+          </a:stretch>
+        </p:blipFill>
+        <p:spPr>
+          <a:xfrm>
+            <a:off x="1933575" y="4371975"/>
+            <a:ext cx="5276850" cy="2571750"/>
+          </a:xfrm>
+          <a:prstGeom prst="rect">
+            <a:avLst/>
+          </a:prstGeom>
+          <a:noFill/>
+          <a:ln w="9525">
+            <a:noFill/>
+          </a:ln>
+        </p:spPr>
+      </p:pic>
+      <p:sp>
+        <p:nvSpPr>
+          <p:cNvPr id="128" name="文本框 127"/>
+          <p:cNvSpPr txBox="1"/>
+          <p:nvPr/>
+        </p:nvSpPr>
+        <p:spPr>
+          <a:xfrm>
+            <a:off x="1933575" y="6943725"/>
+            <a:ext cx="5080000" cy="414020"/>
+          </a:xfrm>
+          <a:prstGeom prst="rect">
+            <a:avLst/>
+          </a:prstGeom>
+          <a:noFill/>
+          <a:ln w="9525">
+            <a:noFill/>
+          </a:ln>
+        </p:spPr>
+        <p:txBody>
+          <a:bodyPr>
+            <a:spAutoFit/>
+          </a:bodyPr>
+          <a:p>
+            <a:r>
+              <a:rPr lang="en-US" sz="1050">
                 <a:latin typeface="Calibri" panose="020F0502020204030204" charset="0"/>
                 <a:ea typeface="宋体" panose="02010600030101010101" pitchFamily="2" charset="-122"/>
-              </a:rPr>
-              <a:t>TCompactProtocol</a:t>
-            </a:r>
-            <a:r>
-              <a:rPr lang="zh-CN" sz="2000">
+                <a:cs typeface="Times New Roman" panose="02020603050405020304" pitchFamily="18" charset="0"/>
+              </a:rPr>
+              <a:t>+ </a:t>
+            </a:r>
+            <a:endParaRPr lang="zh-CN" altLang="en-US"/>
+          </a:p>
+        </p:txBody>
+      </p:sp>
+      <p:pic>
+        <p:nvPicPr>
+          <p:cNvPr id="7" name="图片 6"/>
+          <p:cNvPicPr/>
+          <p:nvPr/>
+        </p:nvPicPr>
+        <p:blipFill>
+          <a:blip r:embed="rId6"/>
+          <a:stretch>
+            <a:fillRect/>
+          </a:stretch>
+        </p:blipFill>
+        <p:spPr>
+          <a:xfrm>
+            <a:off x="1933575" y="7357745"/>
+            <a:ext cx="5267325" cy="2247900"/>
+          </a:xfrm>
+          <a:prstGeom prst="rect">
+            <a:avLst/>
+          </a:prstGeom>
+          <a:noFill/>
+          <a:ln w="9525">
+            <a:noFill/>
+          </a:ln>
+        </p:spPr>
+      </p:pic>
+      <p:sp>
+        <p:nvSpPr>
+          <p:cNvPr id="129" name="文本框 128"/>
+          <p:cNvSpPr txBox="1"/>
+          <p:nvPr/>
+        </p:nvSpPr>
+        <p:spPr>
+          <a:xfrm>
+            <a:off x="1933575" y="9605645"/>
+            <a:ext cx="5080000" cy="737235"/>
+          </a:xfrm>
+          <a:prstGeom prst="rect">
+            <a:avLst/>
+          </a:prstGeom>
+          <a:noFill/>
+          <a:ln w="9525">
+            <a:noFill/>
+          </a:ln>
+        </p:spPr>
+        <p:txBody>
+          <a:bodyPr>
+            <a:spAutoFit/>
+          </a:bodyPr>
+          <a:p>
+            <a:r>
+              <a:rPr lang="en-US" sz="1050">
                 <a:latin typeface="Calibri" panose="020F0502020204030204" charset="0"/>
                 <a:ea typeface="宋体" panose="02010600030101010101" pitchFamily="2" charset="-122"/>
-              </a:rPr>
-              <a:t>序列化。</a:t>
-            </a:r>
-            <a:endParaRPr lang="zh-CN" altLang="en-US" sz="2000"/>
+                <a:cs typeface="Times New Roman" panose="02020603050405020304" pitchFamily="18" charset="0"/>
+              </a:rPr>
+              <a:t>+ + + </a:t>
+            </a:r>
+            <a:endParaRPr lang="zh-CN" altLang="en-US"/>
           </a:p>
         </p:txBody>
       </p:sp>
@@ -9001,41 +9456,93 @@
       <p:grpSpPr/>
       <p:sp>
         <p:nvSpPr>
-          <p:cNvPr id="6" name="标题 5"/>
-          <p:cNvSpPr>
-            <a:spLocks noGrp="1"/>
-          </p:cNvSpPr>
-          <p:nvPr>
-            <p:ph type="title"/>
-          </p:nvPr>
-        </p:nvSpPr>
-        <p:spPr>
-          <a:xfrm>
-            <a:off x="838200" y="198755"/>
-            <a:ext cx="8001000" cy="825500"/>
-          </a:xfrm>
-        </p:spPr>
-        <p:txBody>
-          <a:bodyPr/>
-          <a:p>
-            <a:r>
-              <a:rPr lang="en-US" altLang="zh-CN" sz="3600"/>
-              <a:t>Striping/Assembly 算法</a:t>
-            </a:r>
-            <a:br>
-              <a:rPr lang="en-US" altLang="zh-CN" sz="3600"/>
-            </a:br>
-            <a:r>
-              <a:rPr lang="en-US" altLang="zh-CN" sz="3600"/>
-              <a:t>嵌套类型数据</a:t>
-            </a:r>
-            <a:endParaRPr lang="en-US" altLang="zh-CN" sz="3600"/>
+          <p:cNvPr id="4" name="文本框 3"/>
+          <p:cNvSpPr txBox="1"/>
+          <p:nvPr/>
+        </p:nvSpPr>
+        <p:spPr>
+          <a:xfrm>
+            <a:off x="871855" y="248285"/>
+            <a:ext cx="8131175" cy="2306955"/>
+          </a:xfrm>
+          <a:prstGeom prst="rect">
+            <a:avLst/>
+          </a:prstGeom>
+          <a:noFill/>
+        </p:spPr>
+        <p:txBody>
+          <a:bodyPr wrap="square" rtlCol="0">
+            <a:spAutoFit/>
+          </a:bodyPr>
+          <a:p>
+            <a:pPr algn="l"/>
+            <a:r>
+              <a:rPr lang="zh-CN" altLang="en-US" sz="1800"/>
+              <a:t>每个 schema 的结构是这样的：</a:t>
+            </a:r>
+            <a:endParaRPr lang="zh-CN" altLang="en-US" sz="1800"/>
+          </a:p>
+          <a:p>
+            <a:pPr algn="l"/>
+            <a:r>
+              <a:rPr lang="zh-CN" altLang="en-US" sz="1800"/>
+              <a:t>根叫做 message，message 包含多个 fields。</a:t>
+            </a:r>
+            <a:endParaRPr lang="zh-CN" altLang="en-US" sz="1800"/>
+          </a:p>
+          <a:p>
+            <a:pPr algn="l"/>
+            <a:r>
+              <a:rPr lang="zh-CN" altLang="en-US" sz="1800"/>
+              <a:t>每个 field 包含三个属性：repetition, type, name。</a:t>
+            </a:r>
+            <a:endParaRPr lang="zh-CN" altLang="en-US" sz="1800"/>
+          </a:p>
+          <a:p>
+            <a:pPr algn="l"/>
+            <a:r>
+              <a:rPr lang="zh-CN" altLang="en-US" sz="1800"/>
+              <a:t>repetition 可以是以下三种：</a:t>
+            </a:r>
+            <a:endParaRPr lang="zh-CN" altLang="en-US" sz="1800"/>
+          </a:p>
+          <a:p>
+            <a:pPr algn="l"/>
+            <a:r>
+              <a:rPr lang="zh-CN" altLang="en-US" sz="1800"/>
+              <a:t>required（出现 1 次）</a:t>
+            </a:r>
+            <a:endParaRPr lang="zh-CN" altLang="en-US" sz="1800"/>
+          </a:p>
+          <a:p>
+            <a:pPr algn="l"/>
+            <a:r>
+              <a:rPr lang="zh-CN" altLang="en-US" sz="1800"/>
+              <a:t>optional（出现 0 次或者 1 次）</a:t>
+            </a:r>
+            <a:endParaRPr lang="zh-CN" altLang="en-US" sz="1800"/>
+          </a:p>
+          <a:p>
+            <a:pPr algn="l"/>
+            <a:r>
+              <a:rPr lang="zh-CN" altLang="en-US" sz="1800"/>
+              <a:t>repeated（出现 0 次或者多次）。</a:t>
+            </a:r>
+            <a:endParaRPr lang="zh-CN" altLang="en-US" sz="1800"/>
+          </a:p>
+          <a:p>
+            <a:pPr algn="l"/>
+            <a:r>
+              <a:rPr lang="zh-CN" altLang="en-US" sz="1800"/>
+              <a:t>type 可以是一个 group 或者一个 primitive 类型。</a:t>
+            </a:r>
+            <a:endParaRPr lang="zh-CN" altLang="en-US" sz="1800"/>
           </a:p>
         </p:txBody>
       </p:sp>
       <p:pic>
         <p:nvPicPr>
-          <p:cNvPr id="7" name="图片 6"/>
+          <p:cNvPr id="5" name="图片 4"/>
           <p:cNvPicPr>
             <a:picLocks noChangeAspect="1"/>
           </p:cNvPicPr>
@@ -9049,8 +9556,8 @@
         </p:blipFill>
         <p:spPr>
           <a:xfrm>
-            <a:off x="1200150" y="1444625"/>
-            <a:ext cx="3387090" cy="1911350"/>
+            <a:off x="3469005" y="3860165"/>
+            <a:ext cx="5534025" cy="2613025"/>
           </a:xfrm>
           <a:prstGeom prst="rect">
             <a:avLst/>
@@ -9059,14 +9566,14 @@
       </p:pic>
       <p:sp>
         <p:nvSpPr>
-          <p:cNvPr id="8" name="文本框 7"/>
+          <p:cNvPr id="6" name="文本框 5"/>
           <p:cNvSpPr txBox="1"/>
           <p:nvPr/>
         </p:nvSpPr>
         <p:spPr>
           <a:xfrm>
-            <a:off x="1200150" y="3355975"/>
-            <a:ext cx="7071360" cy="1198880"/>
+            <a:off x="1016000" y="2839720"/>
+            <a:ext cx="4436745" cy="2306955"/>
           </a:xfrm>
           <a:prstGeom prst="rect">
             <a:avLst/>
@@ -9074,58 +9581,75 @@
           <a:noFill/>
         </p:spPr>
         <p:txBody>
-          <a:bodyPr wrap="square" rtlCol="0" anchor="t">
+          <a:bodyPr wrap="square" rtlCol="0">
             <a:spAutoFit/>
           </a:bodyPr>
           <a:p>
-            <a:r>
-              <a:rPr lang="zh-CN" altLang="en-US"/>
-              <a:t>一个 column chunk 负责存储某一列的数据，这些数据是这一列的 Repetition levels</a:t>
-            </a:r>
-            <a:r>
-              <a:rPr lang="en-US" altLang="zh-CN"/>
-              <a:t>(R)</a:t>
-            </a:r>
-            <a:r>
-              <a:rPr lang="zh-CN" altLang="en-US"/>
-              <a:t>, Definition levels</a:t>
-            </a:r>
-            <a:r>
-              <a:rPr lang="en-US" altLang="zh-CN"/>
-              <a:t>(D)</a:t>
-            </a:r>
-            <a:r>
-              <a:rPr lang="zh-CN" altLang="en-US"/>
-              <a:t>和 values</a:t>
-            </a:r>
-            <a:endParaRPr lang="zh-CN" altLang="en-US"/>
-          </a:p>
-        </p:txBody>
-      </p:sp>
-      <p:pic>
-        <p:nvPicPr>
-          <p:cNvPr id="9" name="图片 8"/>
-          <p:cNvPicPr>
-            <a:picLocks noChangeAspect="1"/>
-          </p:cNvPicPr>
-          <p:nvPr/>
-        </p:nvPicPr>
-        <p:blipFill>
-          <a:blip r:embed="rId2"/>
-          <a:stretch>
-            <a:fillRect/>
-          </a:stretch>
-        </p:blipFill>
-        <p:spPr>
-          <a:xfrm>
-            <a:off x="1200150" y="4767580"/>
-            <a:ext cx="5932170" cy="1589405"/>
-          </a:xfrm>
-          <a:prstGeom prst="rect">
-            <a:avLst/>
-          </a:prstGeom>
-        </p:spPr>
-      </p:pic>
+            <a:pPr algn="l"/>
+            <a:r>
+              <a:rPr lang="zh-CN" altLang="en-US" sz="1800"/>
+              <a:t>message AddressBook {</a:t>
+            </a:r>
+            <a:endParaRPr lang="zh-CN" altLang="en-US" sz="1800"/>
+          </a:p>
+          <a:p>
+            <a:pPr algn="l"/>
+            <a:r>
+              <a:rPr lang="zh-CN" altLang="en-US" sz="1800"/>
+              <a:t>required string owner;</a:t>
+            </a:r>
+            <a:endParaRPr lang="zh-CN" altLang="en-US" sz="1800"/>
+          </a:p>
+          <a:p>
+            <a:pPr algn="l"/>
+            <a:r>
+              <a:rPr lang="zh-CN" altLang="en-US" sz="1800"/>
+              <a:t>repeated string ownerPhoneNumbers;</a:t>
+            </a:r>
+            <a:endParaRPr lang="zh-CN" altLang="en-US" sz="1800"/>
+          </a:p>
+          <a:p>
+            <a:pPr algn="l"/>
+            <a:r>
+              <a:rPr lang="zh-CN" altLang="en-US" sz="1800"/>
+              <a:t>repeated group contacts {</a:t>
+            </a:r>
+            <a:endParaRPr lang="zh-CN" altLang="en-US" sz="1800"/>
+          </a:p>
+          <a:p>
+            <a:pPr algn="l"/>
+            <a:r>
+              <a:rPr lang="zh-CN" altLang="en-US" sz="1800"/>
+              <a:t>  required string name;</a:t>
+            </a:r>
+            <a:endParaRPr lang="zh-CN" altLang="en-US" sz="1800"/>
+          </a:p>
+          <a:p>
+            <a:pPr algn="l"/>
+            <a:r>
+              <a:rPr lang="zh-CN" altLang="en-US" sz="1800"/>
+              <a:t>  optional string phoneNumber;</a:t>
+            </a:r>
+            <a:endParaRPr lang="zh-CN" altLang="en-US" sz="1800"/>
+          </a:p>
+          <a:p>
+            <a:pPr algn="l"/>
+            <a:r>
+              <a:rPr lang="zh-CN" altLang="en-US" sz="1800"/>
+              <a:t>}</a:t>
+            </a:r>
+            <a:endParaRPr lang="zh-CN" altLang="en-US" sz="1800"/>
+          </a:p>
+          <a:p>
+            <a:pPr algn="l"/>
+            <a:r>
+              <a:rPr lang="zh-CN" altLang="en-US" sz="1800"/>
+              <a:t>}</a:t>
+            </a:r>
+            <a:endParaRPr lang="zh-CN" altLang="en-US" sz="1800"/>
+          </a:p>
+        </p:txBody>
+      </p:sp>
     </p:spTree>
   </p:cSld>
   <p:clrMapOvr>
@@ -9149,7 +9673,7 @@
       <p:grpSpPr/>
       <p:pic>
         <p:nvPicPr>
-          <p:cNvPr id="9" name="图片 8"/>
+          <p:cNvPr id="4" name="图片 3"/>
           <p:cNvPicPr>
             <a:picLocks noChangeAspect="1"/>
           </p:cNvPicPr>
@@ -9163,8 +9687,8 @@
         </p:blipFill>
         <p:spPr>
           <a:xfrm>
-            <a:off x="1605915" y="474980"/>
-            <a:ext cx="5932170" cy="1589405"/>
+            <a:off x="2067560" y="2171065"/>
+            <a:ext cx="5365115" cy="3068320"/>
           </a:xfrm>
           <a:prstGeom prst="rect">
             <a:avLst/>
@@ -9173,14 +9697,14 @@
       </p:pic>
       <p:sp>
         <p:nvSpPr>
-          <p:cNvPr id="5" name="文本框 4"/>
+          <p:cNvPr id="7" name="文本框 6"/>
           <p:cNvSpPr txBox="1"/>
           <p:nvPr/>
         </p:nvSpPr>
         <p:spPr>
           <a:xfrm>
-            <a:off x="1631315" y="2681605"/>
-            <a:ext cx="7314565" cy="2306955"/>
+            <a:off x="1271905" y="1038860"/>
+            <a:ext cx="5535295" cy="645160"/>
           </a:xfrm>
           <a:prstGeom prst="rect">
             <a:avLst/>
@@ -9188,48 +9712,15 @@
           <a:noFill/>
         </p:spPr>
         <p:txBody>
-          <a:bodyPr wrap="square" rtlCol="0">
+          <a:bodyPr wrap="square" rtlCol="0" anchor="t">
             <a:spAutoFit/>
           </a:bodyPr>
           <a:p>
-            <a:pPr algn="l"/>
-            <a:r>
-              <a:rPr lang="zh-CN" altLang="en-US" b="1">
-                <a:sym typeface="+mn-ea"/>
-              </a:rPr>
-              <a:t>Repetition Level</a:t>
-            </a:r>
-            <a:endParaRPr lang="zh-CN" altLang="en-US" b="1"/>
-          </a:p>
-          <a:p>
-            <a:pPr algn="l"/>
-            <a:r>
-              <a:rPr lang="zh-CN" altLang="en-US"/>
-              <a:t>在关系型数据中，repetion level 总是 0。</a:t>
-            </a:r>
-            <a:endParaRPr lang="zh-CN" altLang="en-US"/>
-          </a:p>
-          <a:p>
-            <a:pPr algn="l"/>
-            <a:endParaRPr lang="zh-CN" altLang="en-US"/>
-          </a:p>
-          <a:p>
-            <a:pPr algn="l"/>
-            <a:r>
-              <a:rPr lang="zh-CN" altLang="en-US" b="1">
-                <a:sym typeface="+mn-ea"/>
-              </a:rPr>
-              <a:t>Definition Level</a:t>
-            </a:r>
-            <a:endParaRPr lang="zh-CN" altLang="en-US" b="1"/>
-          </a:p>
-          <a:p>
-            <a:pPr algn="l"/>
-            <a:r>
-              <a:rPr lang="zh-CN" altLang="en-US"/>
-              <a:t>在关系型数据中，optional 类型的 field 被编码成 0 表示空和 1 表示非空（或者反之）</a:t>
-            </a:r>
-            <a:endParaRPr lang="zh-CN" altLang="en-US"/>
+            <a:r>
+              <a:rPr lang="zh-CN" altLang="en-US" sz="1800"/>
+              <a:t>一个 schema 的树结构有几个叶子节点，实际的存储中就会有多少 column</a:t>
+            </a:r>
+            <a:endParaRPr lang="zh-CN" altLang="en-US" sz="1800"/>
           </a:p>
         </p:txBody>
       </p:sp>
@@ -9254,10 +9745,70 @@
         <p:nvPr/>
       </p:nvGrpSpPr>
       <p:grpSpPr/>
+      <p:sp>
+        <p:nvSpPr>
+          <p:cNvPr id="5" name="文本框 4"/>
+          <p:cNvSpPr txBox="1"/>
+          <p:nvPr/>
+        </p:nvSpPr>
+        <p:spPr>
+          <a:xfrm>
+            <a:off x="1320800" y="589280"/>
+            <a:ext cx="6503035" cy="3138170"/>
+          </a:xfrm>
+          <a:prstGeom prst="rect">
+            <a:avLst/>
+          </a:prstGeom>
+          <a:noFill/>
+        </p:spPr>
+        <p:txBody>
+          <a:bodyPr wrap="square" rtlCol="0">
+            <a:spAutoFit/>
+          </a:bodyPr>
+          <a:p>
+            <a:pPr algn="l"/>
+            <a:r>
+              <a:rPr lang="zh-CN" altLang="en-US" b="1"/>
+              <a:t>Definition Level</a:t>
+            </a:r>
+            <a:endParaRPr lang="zh-CN" altLang="en-US" b="1"/>
+          </a:p>
+          <a:p>
+            <a:pPr algn="l"/>
+            <a:r>
+              <a:rPr lang="zh-CN" altLang="en-US" sz="1800"/>
+              <a:t>从根节点开始遍历，当某一个 field 的路径上的节点开始是空的时候我们记录下当前的深度作为这个 field 的 Definition Level。如果一个 field 的 Definition Level 等于这个 field 的最大 Definition Level 就说明这个 field 是有数据的。</a:t>
+            </a:r>
+            <a:endParaRPr lang="zh-CN" altLang="en-US" sz="1800"/>
+          </a:p>
+          <a:p>
+            <a:pPr algn="l"/>
+            <a:r>
+              <a:rPr lang="zh-CN" altLang="en-US" sz="1800"/>
+              <a:t>对于 required 类型的 field 必须是有定义的，所以这个 Definition Level 是不需要的。</a:t>
+            </a:r>
+            <a:endParaRPr lang="zh-CN" altLang="en-US" sz="1800"/>
+          </a:p>
+          <a:p>
+            <a:pPr algn="l"/>
+            <a:endParaRPr lang="zh-CN" altLang="en-US"/>
+          </a:p>
+          <a:p>
+            <a:pPr algn="l"/>
+            <a:endParaRPr lang="zh-CN" altLang="en-US"/>
+          </a:p>
+          <a:p>
+            <a:pPr algn="l"/>
+            <a:endParaRPr lang="zh-CN" altLang="en-US" sz="1800"/>
+          </a:p>
+        </p:txBody>
+      </p:sp>
       <p:pic>
         <p:nvPicPr>
-          <p:cNvPr id="123" name="图片 122"/>
-          <p:cNvPicPr/>
+          <p:cNvPr id="6" name="图片 5"/>
+          <p:cNvPicPr>
+            <a:picLocks noChangeAspect="1"/>
+          </p:cNvPicPr>
           <p:nvPr/>
         </p:nvPicPr>
         <p:blipFill>
@@ -9268,345 +9819,14 @@
         </p:blipFill>
         <p:spPr>
           <a:xfrm>
-            <a:off x="1933575" y="-3484880"/>
-            <a:ext cx="5276850" cy="2209800"/>
-          </a:xfrm>
-          <a:prstGeom prst="rect">
-            <a:avLst/>
-          </a:prstGeom>
-          <a:noFill/>
-          <a:ln w="9525">
-            <a:noFill/>
-          </a:ln>
+            <a:off x="2169795" y="2818765"/>
+            <a:ext cx="5163185" cy="2336800"/>
+          </a:xfrm>
+          <a:prstGeom prst="rect">
+            <a:avLst/>
+          </a:prstGeom>
         </p:spPr>
       </p:pic>
-      <p:sp>
-        <p:nvSpPr>
-          <p:cNvPr id="124" name="文本框 123"/>
-          <p:cNvSpPr txBox="1"/>
-          <p:nvPr/>
-        </p:nvSpPr>
-        <p:spPr>
-          <a:xfrm>
-            <a:off x="1933575" y="-1275080"/>
-            <a:ext cx="5080000" cy="252730"/>
-          </a:xfrm>
-          <a:prstGeom prst="rect">
-            <a:avLst/>
-          </a:prstGeom>
-          <a:noFill/>
-          <a:ln w="9525">
-            <a:noFill/>
-          </a:ln>
-        </p:spPr>
-        <p:txBody>
-          <a:bodyPr>
-            <a:spAutoFit/>
-          </a:bodyPr>
-          <a:p>
-            <a:r>
-              <a:rPr lang="en-US" sz="1050">
-                <a:latin typeface="Calibri" panose="020F0502020204030204" charset="0"/>
-                <a:ea typeface="宋体" panose="02010600030101010101" pitchFamily="2" charset="-122"/>
-                <a:cs typeface="Times New Roman" panose="02020603050405020304" pitchFamily="18" charset="0"/>
-              </a:rPr>
-              <a:t> </a:t>
-            </a:r>
-            <a:endParaRPr lang="zh-CN" altLang="en-US"/>
-          </a:p>
-        </p:txBody>
-      </p:sp>
-      <p:pic>
-        <p:nvPicPr>
-          <p:cNvPr id="4" name="图片 3"/>
-          <p:cNvPicPr/>
-          <p:nvPr/>
-        </p:nvPicPr>
-        <p:blipFill>
-          <a:blip r:embed="rId2"/>
-          <a:stretch>
-            <a:fillRect/>
-          </a:stretch>
-        </p:blipFill>
-        <p:spPr>
-          <a:xfrm>
-            <a:off x="1933575" y="-1022350"/>
-            <a:ext cx="5276850" cy="1838325"/>
-          </a:xfrm>
-          <a:prstGeom prst="rect">
-            <a:avLst/>
-          </a:prstGeom>
-          <a:noFill/>
-          <a:ln w="9525">
-            <a:noFill/>
-          </a:ln>
-        </p:spPr>
-      </p:pic>
-      <p:sp>
-        <p:nvSpPr>
-          <p:cNvPr id="125" name="文本框 124"/>
-          <p:cNvSpPr txBox="1"/>
-          <p:nvPr/>
-        </p:nvSpPr>
-        <p:spPr>
-          <a:xfrm>
-            <a:off x="1933575" y="815975"/>
-            <a:ext cx="5080000" cy="414020"/>
-          </a:xfrm>
-          <a:prstGeom prst="rect">
-            <a:avLst/>
-          </a:prstGeom>
-          <a:noFill/>
-          <a:ln w="9525">
-            <a:noFill/>
-          </a:ln>
-        </p:spPr>
-        <p:txBody>
-          <a:bodyPr>
-            <a:spAutoFit/>
-          </a:bodyPr>
-          <a:p>
-            <a:r>
-              <a:rPr lang="en-US" sz="1050">
-                <a:latin typeface="Calibri" panose="020F0502020204030204" charset="0"/>
-                <a:ea typeface="宋体" panose="02010600030101010101" pitchFamily="2" charset="-122"/>
-                <a:cs typeface="Times New Roman" panose="02020603050405020304" pitchFamily="18" charset="0"/>
-              </a:rPr>
-              <a:t>- </a:t>
-            </a:r>
-            <a:endParaRPr lang="zh-CN" altLang="en-US"/>
-          </a:p>
-        </p:txBody>
-      </p:sp>
-      <p:pic>
-        <p:nvPicPr>
-          <p:cNvPr id="5" name="图片 4"/>
-          <p:cNvPicPr/>
-          <p:nvPr/>
-        </p:nvPicPr>
-        <p:blipFill>
-          <a:blip r:embed="rId3"/>
-          <a:stretch>
-            <a:fillRect/>
-          </a:stretch>
-        </p:blipFill>
-        <p:spPr>
-          <a:xfrm>
-            <a:off x="1933575" y="1229995"/>
-            <a:ext cx="5276850" cy="1609725"/>
-          </a:xfrm>
-          <a:prstGeom prst="rect">
-            <a:avLst/>
-          </a:prstGeom>
-          <a:noFill/>
-          <a:ln w="9525">
-            <a:noFill/>
-          </a:ln>
-        </p:spPr>
-      </p:pic>
-      <p:sp>
-        <p:nvSpPr>
-          <p:cNvPr id="126" name="文本框 125"/>
-          <p:cNvSpPr txBox="1"/>
-          <p:nvPr/>
-        </p:nvSpPr>
-        <p:spPr>
-          <a:xfrm>
-            <a:off x="1933575" y="2839720"/>
-            <a:ext cx="5080000" cy="760730"/>
-          </a:xfrm>
-          <a:prstGeom prst="rect">
-            <a:avLst/>
-          </a:prstGeom>
-          <a:noFill/>
-          <a:ln w="9525">
-            <a:noFill/>
-          </a:ln>
-        </p:spPr>
-        <p:txBody>
-          <a:bodyPr>
-            <a:spAutoFit/>
-          </a:bodyPr>
-          <a:p>
-            <a:r>
-              <a:rPr lang="en-US" sz="1050">
-                <a:latin typeface="Calibri" panose="020F0502020204030204" charset="0"/>
-                <a:ea typeface="宋体" panose="02010600030101010101" pitchFamily="2" charset="-122"/>
-                <a:cs typeface="Times New Roman" panose="02020603050405020304" pitchFamily="18" charset="0"/>
-              </a:rPr>
-              <a:t>- - </a:t>
-            </a:r>
-            <a:r>
-              <a:rPr lang="zh-CN" sz="1200">
-                <a:solidFill>
-                  <a:srgbClr val="4A4A4A"/>
-                </a:solidFill>
-                <a:ea typeface="宋体" panose="02010600030101010101" pitchFamily="2" charset="-122"/>
-              </a:rPr>
-              <a:t>-Parquet 内部的数据类型、存储格式</a:t>
-            </a:r>
-            <a:endParaRPr lang="zh-CN" altLang="en-US"/>
-          </a:p>
-        </p:txBody>
-      </p:sp>
-      <p:pic>
-        <p:nvPicPr>
-          <p:cNvPr id="6" name="图片 5"/>
-          <p:cNvPicPr/>
-          <p:nvPr/>
-        </p:nvPicPr>
-        <p:blipFill>
-          <a:blip r:embed="rId4"/>
-          <a:stretch>
-            <a:fillRect/>
-          </a:stretch>
-        </p:blipFill>
-        <p:spPr>
-          <a:xfrm>
-            <a:off x="1933575" y="3600450"/>
-            <a:ext cx="5267325" cy="771525"/>
-          </a:xfrm>
-          <a:prstGeom prst="rect">
-            <a:avLst/>
-          </a:prstGeom>
-          <a:noFill/>
-          <a:ln w="9525">
-            <a:noFill/>
-          </a:ln>
-        </p:spPr>
-      </p:pic>
-      <p:pic>
-        <p:nvPicPr>
-          <p:cNvPr id="127" name="图片 126"/>
-          <p:cNvPicPr/>
-          <p:nvPr/>
-        </p:nvPicPr>
-        <p:blipFill>
-          <a:blip r:embed="rId5"/>
-          <a:stretch>
-            <a:fillRect/>
-          </a:stretch>
-        </p:blipFill>
-        <p:spPr>
-          <a:xfrm>
-            <a:off x="1933575" y="4371975"/>
-            <a:ext cx="5276850" cy="2571750"/>
-          </a:xfrm>
-          <a:prstGeom prst="rect">
-            <a:avLst/>
-          </a:prstGeom>
-          <a:noFill/>
-          <a:ln w="9525">
-            <a:noFill/>
-          </a:ln>
-        </p:spPr>
-      </p:pic>
-      <p:sp>
-        <p:nvSpPr>
-          <p:cNvPr id="128" name="文本框 127"/>
-          <p:cNvSpPr txBox="1"/>
-          <p:nvPr/>
-        </p:nvSpPr>
-        <p:spPr>
-          <a:xfrm>
-            <a:off x="1933575" y="6943725"/>
-            <a:ext cx="5080000" cy="414020"/>
-          </a:xfrm>
-          <a:prstGeom prst="rect">
-            <a:avLst/>
-          </a:prstGeom>
-          <a:noFill/>
-          <a:ln w="9525">
-            <a:noFill/>
-          </a:ln>
-        </p:spPr>
-        <p:txBody>
-          <a:bodyPr>
-            <a:spAutoFit/>
-          </a:bodyPr>
-          <a:p>
-            <a:r>
-              <a:rPr lang="en-US" sz="1050">
-                <a:latin typeface="Calibri" panose="020F0502020204030204" charset="0"/>
-                <a:ea typeface="宋体" panose="02010600030101010101" pitchFamily="2" charset="-122"/>
-                <a:cs typeface="Times New Roman" panose="02020603050405020304" pitchFamily="18" charset="0"/>
-              </a:rPr>
-              <a:t>- </a:t>
-            </a:r>
-            <a:endParaRPr lang="zh-CN" altLang="en-US"/>
-          </a:p>
-        </p:txBody>
-      </p:sp>
-      <p:pic>
-        <p:nvPicPr>
-          <p:cNvPr id="7" name="图片 6"/>
-          <p:cNvPicPr/>
-          <p:nvPr/>
-        </p:nvPicPr>
-        <p:blipFill>
-          <a:blip r:embed="rId6"/>
-          <a:stretch>
-            <a:fillRect/>
-          </a:stretch>
-        </p:blipFill>
-        <p:spPr>
-          <a:xfrm>
-            <a:off x="1933575" y="7357745"/>
-            <a:ext cx="5267325" cy="2247900"/>
-          </a:xfrm>
-          <a:prstGeom prst="rect">
-            <a:avLst/>
-          </a:prstGeom>
-          <a:noFill/>
-          <a:ln w="9525">
-            <a:noFill/>
-          </a:ln>
-        </p:spPr>
-      </p:pic>
-      <p:sp>
-        <p:nvSpPr>
-          <p:cNvPr id="129" name="文本框 128"/>
-          <p:cNvSpPr txBox="1"/>
-          <p:nvPr/>
-        </p:nvSpPr>
-        <p:spPr>
-          <a:xfrm>
-            <a:off x="1933575" y="9605645"/>
-            <a:ext cx="5080000" cy="737235"/>
-          </a:xfrm>
-          <a:prstGeom prst="rect">
-            <a:avLst/>
-          </a:prstGeom>
-          <a:noFill/>
-          <a:ln w="9525">
-            <a:noFill/>
-          </a:ln>
-        </p:spPr>
-        <p:txBody>
-          <a:bodyPr>
-            <a:spAutoFit/>
-          </a:bodyPr>
-          <a:p>
-            <a:r>
-              <a:rPr lang="en-US" sz="1050">
-                <a:latin typeface="Calibri" panose="020F0502020204030204" charset="0"/>
-                <a:ea typeface="宋体" panose="02010600030101010101" pitchFamily="2" charset="-122"/>
-                <a:cs typeface="Times New Roman" panose="02020603050405020304" pitchFamily="18" charset="0"/>
-              </a:rPr>
-              <a:t>- - - </a:t>
-            </a:r>
-            <a:endParaRPr lang="zh-CN" altLang="en-US"/>
-          </a:p>
-        </p:txBody>
-      </p:sp>
     </p:spTree>
   </p:cSld>
   <p:clrMapOvr>
@@ -9630,255 +9850,14 @@
       <p:grpSpPr/>
       <p:sp>
         <p:nvSpPr>
-          <p:cNvPr id="4" name="文本框 3"/>
+          <p:cNvPr id="5" name="文本框 4"/>
           <p:cNvSpPr txBox="1"/>
           <p:nvPr/>
         </p:nvSpPr>
         <p:spPr>
           <a:xfrm>
-            <a:off x="871855" y="248285"/>
-            <a:ext cx="8131175" cy="2306955"/>
-          </a:xfrm>
-          <a:prstGeom prst="rect">
-            <a:avLst/>
-          </a:prstGeom>
-          <a:noFill/>
-        </p:spPr>
-        <p:txBody>
-          <a:bodyPr wrap="square" rtlCol="0">
-            <a:spAutoFit/>
-          </a:bodyPr>
-          <a:p>
-            <a:pPr algn="l"/>
-            <a:r>
-              <a:rPr lang="zh-CN" altLang="en-US" sz="1800"/>
-              <a:t>每个 schema 的结构是这样的：</a:t>
-            </a:r>
-            <a:endParaRPr lang="zh-CN" altLang="en-US" sz="1800"/>
-          </a:p>
-          <a:p>
-            <a:pPr algn="l"/>
-            <a:r>
-              <a:rPr lang="zh-CN" altLang="en-US" sz="1800"/>
-              <a:t>根叫做 message，message 包含多个 fields。</a:t>
-            </a:r>
-            <a:endParaRPr lang="zh-CN" altLang="en-US" sz="1800"/>
-          </a:p>
-          <a:p>
-            <a:pPr algn="l"/>
-            <a:r>
-              <a:rPr lang="zh-CN" altLang="en-US" sz="1800"/>
-              <a:t>每个 field 包含三个属性：repetition, type, name。</a:t>
-            </a:r>
-            <a:endParaRPr lang="zh-CN" altLang="en-US" sz="1800"/>
-          </a:p>
-          <a:p>
-            <a:pPr algn="l"/>
-            <a:r>
-              <a:rPr lang="zh-CN" altLang="en-US" sz="1800"/>
-              <a:t>repetition 可以是以下三种：</a:t>
-            </a:r>
-            <a:endParaRPr lang="zh-CN" altLang="en-US" sz="1800"/>
-          </a:p>
-          <a:p>
-            <a:pPr algn="l"/>
-            <a:r>
-              <a:rPr lang="zh-CN" altLang="en-US" sz="1800"/>
-              <a:t>required（出现 1 次）</a:t>
-            </a:r>
-            <a:endParaRPr lang="zh-CN" altLang="en-US" sz="1800"/>
-          </a:p>
-          <a:p>
-            <a:pPr algn="l"/>
-            <a:r>
-              <a:rPr lang="zh-CN" altLang="en-US" sz="1800"/>
-              <a:t>optional（出现 0 次或者 1 次）</a:t>
-            </a:r>
-            <a:endParaRPr lang="zh-CN" altLang="en-US" sz="1800"/>
-          </a:p>
-          <a:p>
-            <a:pPr algn="l"/>
-            <a:r>
-              <a:rPr lang="zh-CN" altLang="en-US" sz="1800"/>
-              <a:t>repeated（出现 0 次或者多次）。</a:t>
-            </a:r>
-            <a:endParaRPr lang="zh-CN" altLang="en-US" sz="1800"/>
-          </a:p>
-          <a:p>
-            <a:pPr algn="l"/>
-            <a:r>
-              <a:rPr lang="zh-CN" altLang="en-US" sz="1800"/>
-              <a:t>type 可以是一个 group 或者一个 primitive 类型。</a:t>
-            </a:r>
-            <a:endParaRPr lang="zh-CN" altLang="en-US" sz="1800"/>
-          </a:p>
-        </p:txBody>
-      </p:sp>
-      <p:pic>
-        <p:nvPicPr>
-          <p:cNvPr id="5" name="图片 4"/>
-          <p:cNvPicPr>
-            <a:picLocks noChangeAspect="1"/>
-          </p:cNvPicPr>
-          <p:nvPr/>
-        </p:nvPicPr>
-        <p:blipFill>
-          <a:blip r:embed="rId1"/>
-          <a:stretch>
-            <a:fillRect/>
-          </a:stretch>
-        </p:blipFill>
-        <p:spPr>
-          <a:xfrm>
-            <a:off x="3469005" y="3860165"/>
-            <a:ext cx="5534025" cy="2613025"/>
-          </a:xfrm>
-          <a:prstGeom prst="rect">
-            <a:avLst/>
-          </a:prstGeom>
-        </p:spPr>
-      </p:pic>
-      <p:sp>
-        <p:nvSpPr>
-          <p:cNvPr id="6" name="文本框 5"/>
-          <p:cNvSpPr txBox="1"/>
-          <p:nvPr/>
-        </p:nvSpPr>
-        <p:spPr>
-          <a:xfrm>
-            <a:off x="1016000" y="2839720"/>
-            <a:ext cx="4436745" cy="2306955"/>
-          </a:xfrm>
-          <a:prstGeom prst="rect">
-            <a:avLst/>
-          </a:prstGeom>
-          <a:noFill/>
-        </p:spPr>
-        <p:txBody>
-          <a:bodyPr wrap="square" rtlCol="0">
-            <a:spAutoFit/>
-          </a:bodyPr>
-          <a:p>
-            <a:pPr algn="l"/>
-            <a:r>
-              <a:rPr lang="zh-CN" altLang="en-US" sz="1800"/>
-              <a:t>message AddressBook {</a:t>
-            </a:r>
-            <a:endParaRPr lang="zh-CN" altLang="en-US" sz="1800"/>
-          </a:p>
-          <a:p>
-            <a:pPr algn="l"/>
-            <a:r>
-              <a:rPr lang="zh-CN" altLang="en-US" sz="1800"/>
-              <a:t>required string owner;</a:t>
-            </a:r>
-            <a:endParaRPr lang="zh-CN" altLang="en-US" sz="1800"/>
-          </a:p>
-          <a:p>
-            <a:pPr algn="l"/>
-            <a:r>
-              <a:rPr lang="zh-CN" altLang="en-US" sz="1800"/>
-              <a:t>repeated string ownerPhoneNumbers;</a:t>
-            </a:r>
-            <a:endParaRPr lang="zh-CN" altLang="en-US" sz="1800"/>
-          </a:p>
-          <a:p>
-            <a:pPr algn="l"/>
-            <a:r>
-              <a:rPr lang="zh-CN" altLang="en-US" sz="1800"/>
-              <a:t>repeated group contacts {</a:t>
-            </a:r>
-            <a:endParaRPr lang="zh-CN" altLang="en-US" sz="1800"/>
-          </a:p>
-          <a:p>
-            <a:pPr algn="l"/>
-            <a:r>
-              <a:rPr lang="zh-CN" altLang="en-US" sz="1800"/>
-              <a:t>  required string name;</a:t>
-            </a:r>
-            <a:endParaRPr lang="zh-CN" altLang="en-US" sz="1800"/>
-          </a:p>
-          <a:p>
-            <a:pPr algn="l"/>
-            <a:r>
-              <a:rPr lang="zh-CN" altLang="en-US" sz="1800"/>
-              <a:t>  optional string phoneNumber;</a:t>
-            </a:r>
-            <a:endParaRPr lang="zh-CN" altLang="en-US" sz="1800"/>
-          </a:p>
-          <a:p>
-            <a:pPr algn="l"/>
-            <a:r>
-              <a:rPr lang="zh-CN" altLang="en-US" sz="1800"/>
-              <a:t>}</a:t>
-            </a:r>
-            <a:endParaRPr lang="zh-CN" altLang="en-US" sz="1800"/>
-          </a:p>
-          <a:p>
-            <a:pPr algn="l"/>
-            <a:r>
-              <a:rPr lang="zh-CN" altLang="en-US" sz="1800"/>
-              <a:t>}</a:t>
-            </a:r>
-            <a:endParaRPr lang="zh-CN" altLang="en-US" sz="1800"/>
-          </a:p>
-        </p:txBody>
-      </p:sp>
-    </p:spTree>
-  </p:cSld>
-  <p:clrMapOvr>
-    <a:masterClrMapping/>
-  </p:clrMapOvr>
-  <p:transition>
-    <p:random/>
-  </p:transition>
-</p:sld>
-</file>
-
-<file path=ppt/slides/slide38.xml><?xml version="1.0" encoding="utf-8"?>
-<p:sld xmlns:a="http://schemas.openxmlformats.org/drawingml/2006/main" xmlns:r="http://schemas.openxmlformats.org/officeDocument/2006/relationships" xmlns:p="http://schemas.openxmlformats.org/presentationml/2006/main">
-  <p:cSld>
-    <p:spTree>
-      <p:nvGrpSpPr>
-        <p:cNvPr id="1" name=""/>
-        <p:cNvGrpSpPr/>
-        <p:nvPr/>
-      </p:nvGrpSpPr>
-      <p:grpSpPr/>
-      <p:pic>
-        <p:nvPicPr>
-          <p:cNvPr id="4" name="图片 3"/>
-          <p:cNvPicPr>
-            <a:picLocks noChangeAspect="1"/>
-          </p:cNvPicPr>
-          <p:nvPr/>
-        </p:nvPicPr>
-        <p:blipFill>
-          <a:blip r:embed="rId1"/>
-          <a:stretch>
-            <a:fillRect/>
-          </a:stretch>
-        </p:blipFill>
-        <p:spPr>
-          <a:xfrm>
-            <a:off x="2067560" y="2171065"/>
-            <a:ext cx="5365115" cy="3068320"/>
-          </a:xfrm>
-          <a:prstGeom prst="rect">
-            <a:avLst/>
-          </a:prstGeom>
-        </p:spPr>
-      </p:pic>
-      <p:sp>
-        <p:nvSpPr>
-          <p:cNvPr id="7" name="文本框 6"/>
-          <p:cNvSpPr txBox="1"/>
-          <p:nvPr/>
-        </p:nvSpPr>
-        <p:spPr>
-          <a:xfrm>
-            <a:off x="1271905" y="1038860"/>
-            <a:ext cx="5535295" cy="645160"/>
+            <a:off x="1327785" y="247650"/>
+            <a:ext cx="6045200" cy="1014730"/>
           </a:xfrm>
           <a:prstGeom prst="rect">
             <a:avLst/>
@@ -9890,89 +9869,33 @@
             <a:spAutoFit/>
           </a:bodyPr>
           <a:p>
-            <a:r>
-              <a:rPr lang="zh-CN" altLang="en-US" sz="1800"/>
-              <a:t>一个 schema 的树结构有几个叶子节点，实际的存储中就会有多少 column</a:t>
+            <a:pPr algn="l"/>
+            <a:r>
+              <a:rPr lang="zh-CN" altLang="en-US" b="1">
+                <a:sym typeface="+mn-ea"/>
+              </a:rPr>
+              <a:t>Repetition Level</a:t>
+            </a:r>
+            <a:endParaRPr lang="zh-CN" altLang="en-US" b="1"/>
+          </a:p>
+          <a:p>
+            <a:pPr algn="l"/>
+            <a:r>
+              <a:rPr lang="zh-CN" altLang="en-US" sz="1800">
+                <a:sym typeface="+mn-ea"/>
+              </a:rPr>
+              <a:t>记录该 field 的值是在哪一个深度上重复的</a:t>
             </a:r>
             <a:endParaRPr lang="zh-CN" altLang="en-US" sz="1800"/>
           </a:p>
-        </p:txBody>
-      </p:sp>
-    </p:spTree>
-  </p:cSld>
-  <p:clrMapOvr>
-    <a:masterClrMapping/>
-  </p:clrMapOvr>
-  <p:transition>
-    <p:random/>
-  </p:transition>
-</p:sld>
-</file>
-
-<file path=ppt/slides/slide39.xml><?xml version="1.0" encoding="utf-8"?>
-<p:sld xmlns:a="http://schemas.openxmlformats.org/drawingml/2006/main" xmlns:r="http://schemas.openxmlformats.org/officeDocument/2006/relationships" xmlns:p="http://schemas.openxmlformats.org/presentationml/2006/main">
-  <p:cSld>
-    <p:spTree>
-      <p:nvGrpSpPr>
-        <p:cNvPr id="1" name=""/>
-        <p:cNvGrpSpPr/>
-        <p:nvPr/>
-      </p:nvGrpSpPr>
-      <p:grpSpPr/>
-      <p:sp>
-        <p:nvSpPr>
-          <p:cNvPr id="5" name="文本框 4"/>
-          <p:cNvSpPr txBox="1"/>
-          <p:nvPr/>
-        </p:nvSpPr>
-        <p:spPr>
-          <a:xfrm>
-            <a:off x="1320800" y="589280"/>
-            <a:ext cx="6503035" cy="3138170"/>
-          </a:xfrm>
-          <a:prstGeom prst="rect">
-            <a:avLst/>
-          </a:prstGeom>
-          <a:noFill/>
-        </p:spPr>
-        <p:txBody>
-          <a:bodyPr wrap="square" rtlCol="0">
-            <a:spAutoFit/>
-          </a:bodyPr>
-          <a:p>
-            <a:pPr algn="l"/>
-            <a:r>
-              <a:rPr lang="zh-CN" altLang="en-US" b="1"/>
-              <a:t>Definition Level</a:t>
-            </a:r>
-            <a:endParaRPr lang="zh-CN" altLang="en-US" b="1"/>
-          </a:p>
-          <a:p>
-            <a:pPr algn="l"/>
-            <a:r>
-              <a:rPr lang="zh-CN" altLang="en-US" sz="1800"/>
-              <a:t>从根节点开始遍历，当某一个 field 的路径上的节点开始是空的时候我们记录下当前的深度作为这个 field 的 Definition Level。如果一个 field 的 Definition Level 等于这个 field 的最大 Definition Level 就说明这个 field 是有数据的。</a:t>
-            </a:r>
-            <a:endParaRPr lang="zh-CN" altLang="en-US" sz="1800"/>
-          </a:p>
-          <a:p>
-            <a:pPr algn="l"/>
-            <a:r>
-              <a:rPr lang="zh-CN" altLang="en-US" sz="1800"/>
-              <a:t>对于 required 类型的 field 必须是有定义的，所以这个 Definition Level 是不需要的。</a:t>
-            </a:r>
-            <a:endParaRPr lang="zh-CN" altLang="en-US" sz="1800"/>
-          </a:p>
-          <a:p>
-            <a:pPr algn="l"/>
-            <a:endParaRPr lang="zh-CN" altLang="en-US"/>
-          </a:p>
-          <a:p>
-            <a:pPr algn="l"/>
-            <a:endParaRPr lang="zh-CN" altLang="en-US"/>
-          </a:p>
-          <a:p>
-            <a:pPr algn="l"/>
+          <a:p>
+            <a:pPr algn="l"/>
+            <a:r>
+              <a:rPr lang="zh-CN" altLang="en-US" sz="1800">
+                <a:sym typeface="+mn-ea"/>
+              </a:rPr>
+              <a:t>Repetition Level = 0 表示开始一个新的 record。</a:t>
+            </a:r>
             <a:endParaRPr lang="zh-CN" altLang="en-US" sz="1800"/>
           </a:p>
         </p:txBody>
@@ -9993,8 +9916,8 @@
         </p:blipFill>
         <p:spPr>
           <a:xfrm>
-            <a:off x="2169795" y="2818765"/>
-            <a:ext cx="5163185" cy="2336800"/>
+            <a:off x="1755140" y="1621790"/>
+            <a:ext cx="6102350" cy="5126355"/>
           </a:xfrm>
           <a:prstGeom prst="rect">
             <a:avLst/>
@@ -10038,7 +9961,7 @@
         </p:blipFill>
         <p:spPr>
           <a:xfrm>
-            <a:off x="2416810" y="1286510"/>
+            <a:off x="2416810" y="1270000"/>
             <a:ext cx="4310380" cy="3071495"/>
           </a:xfrm>
           <a:prstGeom prst="rect">
@@ -10155,103 +10078,6 @@
     <a:masterClrMapping/>
   </p:clrMapOvr>
   <p:transition/>
-</p:sld>
-</file>
-
-<file path=ppt/slides/slide40.xml><?xml version="1.0" encoding="utf-8"?>
-<p:sld xmlns:a="http://schemas.openxmlformats.org/drawingml/2006/main" xmlns:r="http://schemas.openxmlformats.org/officeDocument/2006/relationships" xmlns:p="http://schemas.openxmlformats.org/presentationml/2006/main">
-  <p:cSld>
-    <p:spTree>
-      <p:nvGrpSpPr>
-        <p:cNvPr id="1" name=""/>
-        <p:cNvGrpSpPr/>
-        <p:nvPr/>
-      </p:nvGrpSpPr>
-      <p:grpSpPr/>
-      <p:sp>
-        <p:nvSpPr>
-          <p:cNvPr id="5" name="文本框 4"/>
-          <p:cNvSpPr txBox="1"/>
-          <p:nvPr/>
-        </p:nvSpPr>
-        <p:spPr>
-          <a:xfrm>
-            <a:off x="1327785" y="247650"/>
-            <a:ext cx="6045200" cy="1014730"/>
-          </a:xfrm>
-          <a:prstGeom prst="rect">
-            <a:avLst/>
-          </a:prstGeom>
-          <a:noFill/>
-        </p:spPr>
-        <p:txBody>
-          <a:bodyPr wrap="square" rtlCol="0" anchor="t">
-            <a:spAutoFit/>
-          </a:bodyPr>
-          <a:p>
-            <a:pPr algn="l"/>
-            <a:r>
-              <a:rPr lang="zh-CN" altLang="en-US" b="1">
-                <a:sym typeface="+mn-ea"/>
-              </a:rPr>
-              <a:t>Repetition Level</a:t>
-            </a:r>
-            <a:endParaRPr lang="zh-CN" altLang="en-US" b="1"/>
-          </a:p>
-          <a:p>
-            <a:pPr algn="l"/>
-            <a:r>
-              <a:rPr lang="zh-CN" altLang="en-US" sz="1800">
-                <a:sym typeface="+mn-ea"/>
-              </a:rPr>
-              <a:t>记录该 field 的值是在哪一个深度上重复的</a:t>
-            </a:r>
-            <a:endParaRPr lang="zh-CN" altLang="en-US" sz="1800"/>
-          </a:p>
-          <a:p>
-            <a:pPr algn="l"/>
-            <a:r>
-              <a:rPr lang="zh-CN" altLang="en-US" sz="1800">
-                <a:sym typeface="+mn-ea"/>
-              </a:rPr>
-              <a:t>Repetition Level = 0 表示开始一个新的 record。</a:t>
-            </a:r>
-            <a:endParaRPr lang="zh-CN" altLang="en-US" sz="1800"/>
-          </a:p>
-        </p:txBody>
-      </p:sp>
-      <p:pic>
-        <p:nvPicPr>
-          <p:cNvPr id="6" name="图片 5"/>
-          <p:cNvPicPr>
-            <a:picLocks noChangeAspect="1"/>
-          </p:cNvPicPr>
-          <p:nvPr/>
-        </p:nvPicPr>
-        <p:blipFill>
-          <a:blip r:embed="rId1"/>
-          <a:stretch>
-            <a:fillRect/>
-          </a:stretch>
-        </p:blipFill>
-        <p:spPr>
-          <a:xfrm>
-            <a:off x="1755140" y="1621790"/>
-            <a:ext cx="6102350" cy="5126355"/>
-          </a:xfrm>
-          <a:prstGeom prst="rect">
-            <a:avLst/>
-          </a:prstGeom>
-        </p:spPr>
-      </p:pic>
-    </p:spTree>
-  </p:cSld>
-  <p:clrMapOvr>
-    <a:masterClrMapping/>
-  </p:clrMapOvr>
-  <p:transition>
-    <p:random/>
-  </p:transition>
 </p:sld>
 </file>
 
@@ -10303,7 +10129,7 @@
         </p:blipFill>
         <p:spPr>
           <a:xfrm>
-            <a:off x="1671955" y="1034415"/>
+            <a:off x="1649095" y="1133475"/>
             <a:ext cx="6379210" cy="2949575"/>
           </a:xfrm>
           <a:prstGeom prst="rect">
@@ -10385,7 +10211,7 @@
                 </a:solidFill>
                 <a:ea typeface="宋体" panose="02010600030101010101" pitchFamily="2" charset="-122"/>
               </a:rPr>
-              <a:t>目前支持三个集群管理器：一个简单的内置独立集群管理器，</a:t>
+              <a:t>目前支持三个集群管理器：内置独立集群管理器，</a:t>
             </a:r>
             <a:r>
               <a:rPr lang="en-US" sz="2000">
@@ -10873,8 +10699,8 @@
         </p:nvSpPr>
         <p:spPr>
           <a:xfrm>
-            <a:off x="955675" y="1444625"/>
-            <a:ext cx="8188325" cy="3169285"/>
+            <a:off x="955675" y="1493520"/>
+            <a:ext cx="8188325" cy="3476625"/>
           </a:xfrm>
           <a:prstGeom prst="rect">
             <a:avLst/>
@@ -10888,6 +10714,20 @@
           <a:p>
             <a:pPr algn="l"/>
             <a:r>
+              <a:rPr lang="zh-CN" altLang="en-US" sz="2000">
+                <a:sym typeface="+mn-ea"/>
+              </a:rPr>
+              <a:t>Spark数据集：Dataset，DataFrame，SQL表和弹性分布式数据集 （Resilient Distributed Datasets，RDD）。</a:t>
+            </a:r>
+            <a:endParaRPr lang="zh-CN" altLang="en-US" sz="2000" b="1"/>
+          </a:p>
+          <a:p>
+            <a:pPr algn="l"/>
+            <a:endParaRPr lang="zh-CN" altLang="en-US" sz="2000" b="1"/>
+          </a:p>
+          <a:p>
+            <a:pPr algn="l"/>
+            <a:r>
               <a:rPr lang="zh-CN" altLang="en-US" sz="2000" b="1"/>
               <a:t>DataFrame</a:t>
             </a:r>
@@ -10919,14 +10759,6 @@
           </a:p>
           <a:p>
             <a:pPr algn="l"/>
-            <a:endParaRPr lang="zh-CN" altLang="en-US" sz="2000"/>
-          </a:p>
-          <a:p>
-            <a:pPr algn="l"/>
-            <a:r>
-              <a:rPr lang="zh-CN" altLang="en-US" sz="2000"/>
-              <a:t>Spark有几个核心抽象：Dataset，DataFrame，SQL表和弹性分布式数据集 （Resilient Distributed Datasets，RDD）。</a:t>
-            </a:r>
             <a:endParaRPr lang="zh-CN" altLang="en-US" sz="2000"/>
           </a:p>
           <a:p>
